--- a/Character Sheet.pptx
+++ b/Character Sheet.pptx
@@ -1256,7 +1256,7 @@
           <a:p>
             <a:fld id="{BED8B029-3841-4136-9056-919269C44651}" type="datetimeFigureOut">
               <a:rPr lang="de-DE" smtClean="0"/>
-              <a:t>10.06.2023</a:t>
+              <a:t>14.10.2023</a:t>
             </a:fld>
             <a:endParaRPr lang="de-DE"/>
           </a:p>
@@ -1426,7 +1426,7 @@
           <a:p>
             <a:fld id="{BED8B029-3841-4136-9056-919269C44651}" type="datetimeFigureOut">
               <a:rPr lang="de-DE" smtClean="0"/>
-              <a:t>10.06.2023</a:t>
+              <a:t>14.10.2023</a:t>
             </a:fld>
             <a:endParaRPr lang="de-DE"/>
           </a:p>
@@ -1606,7 +1606,7 @@
           <a:p>
             <a:fld id="{BED8B029-3841-4136-9056-919269C44651}" type="datetimeFigureOut">
               <a:rPr lang="de-DE" smtClean="0"/>
-              <a:t>10.06.2023</a:t>
+              <a:t>14.10.2023</a:t>
             </a:fld>
             <a:endParaRPr lang="de-DE"/>
           </a:p>
@@ -1776,7 +1776,7 @@
           <a:p>
             <a:fld id="{BED8B029-3841-4136-9056-919269C44651}" type="datetimeFigureOut">
               <a:rPr lang="de-DE" smtClean="0"/>
-              <a:t>10.06.2023</a:t>
+              <a:t>14.10.2023</a:t>
             </a:fld>
             <a:endParaRPr lang="de-DE"/>
           </a:p>
@@ -2020,7 +2020,7 @@
           <a:p>
             <a:fld id="{BED8B029-3841-4136-9056-919269C44651}" type="datetimeFigureOut">
               <a:rPr lang="de-DE" smtClean="0"/>
-              <a:t>10.06.2023</a:t>
+              <a:t>14.10.2023</a:t>
             </a:fld>
             <a:endParaRPr lang="de-DE"/>
           </a:p>
@@ -2252,7 +2252,7 @@
           <a:p>
             <a:fld id="{BED8B029-3841-4136-9056-919269C44651}" type="datetimeFigureOut">
               <a:rPr lang="de-DE" smtClean="0"/>
-              <a:t>10.06.2023</a:t>
+              <a:t>14.10.2023</a:t>
             </a:fld>
             <a:endParaRPr lang="de-DE"/>
           </a:p>
@@ -2619,7 +2619,7 @@
           <a:p>
             <a:fld id="{BED8B029-3841-4136-9056-919269C44651}" type="datetimeFigureOut">
               <a:rPr lang="de-DE" smtClean="0"/>
-              <a:t>10.06.2023</a:t>
+              <a:t>14.10.2023</a:t>
             </a:fld>
             <a:endParaRPr lang="de-DE"/>
           </a:p>
@@ -2737,7 +2737,7 @@
           <a:p>
             <a:fld id="{BED8B029-3841-4136-9056-919269C44651}" type="datetimeFigureOut">
               <a:rPr lang="de-DE" smtClean="0"/>
-              <a:t>10.06.2023</a:t>
+              <a:t>14.10.2023</a:t>
             </a:fld>
             <a:endParaRPr lang="de-DE"/>
           </a:p>
@@ -2832,7 +2832,7 @@
           <a:p>
             <a:fld id="{BED8B029-3841-4136-9056-919269C44651}" type="datetimeFigureOut">
               <a:rPr lang="de-DE" smtClean="0"/>
-              <a:t>10.06.2023</a:t>
+              <a:t>14.10.2023</a:t>
             </a:fld>
             <a:endParaRPr lang="de-DE"/>
           </a:p>
@@ -3109,7 +3109,7 @@
           <a:p>
             <a:fld id="{BED8B029-3841-4136-9056-919269C44651}" type="datetimeFigureOut">
               <a:rPr lang="de-DE" smtClean="0"/>
-              <a:t>10.06.2023</a:t>
+              <a:t>14.10.2023</a:t>
             </a:fld>
             <a:endParaRPr lang="de-DE"/>
           </a:p>
@@ -3366,7 +3366,7 @@
           <a:p>
             <a:fld id="{BED8B029-3841-4136-9056-919269C44651}" type="datetimeFigureOut">
               <a:rPr lang="de-DE" smtClean="0"/>
-              <a:t>10.06.2023</a:t>
+              <a:t>14.10.2023</a:t>
             </a:fld>
             <a:endParaRPr lang="de-DE"/>
           </a:p>
@@ -3579,7 +3579,7 @@
           <a:p>
             <a:fld id="{BED8B029-3841-4136-9056-919269C44651}" type="datetimeFigureOut">
               <a:rPr lang="de-DE" smtClean="0"/>
-              <a:t>10.06.2023</a:t>
+              <a:t>14.10.2023</a:t>
             </a:fld>
             <a:endParaRPr lang="de-DE"/>
           </a:p>
@@ -4590,9 +4590,10 @@
             <a:p>
               <a:pPr algn="ctr"/>
               <a:r>
-                <a:rPr lang="de-DE" dirty="0"/>
-                <a:t>CLE</a:t>
+                <a:rPr lang="de-DE"/>
+                <a:t>REA</a:t>
               </a:r>
+              <a:endParaRPr lang="de-DE" dirty="0"/>
             </a:p>
           </p:txBody>
         </p:sp>
@@ -4711,7 +4712,7 @@
               <a:pPr algn="ctr"/>
               <a:r>
                 <a:rPr lang="de-DE" dirty="0"/>
-                <a:t>KNO</a:t>
+                <a:t>BRAIN</a:t>
               </a:r>
             </a:p>
           </p:txBody>
@@ -4886,7 +4887,7 @@
           <p:cNvPr id="22" name="Rechteck: abgerundete Ecken 21">
             <a:extLst>
               <a:ext uri="{FF2B5EF4-FFF2-40B4-BE49-F238E27FC236}">
-                <a16:creationId xmlns:a16="http://schemas.microsoft.com/office/drawing/2014/main" id="{B54443A5-E255-F5FC-B55B-3E77477EBBEA}"/>
+                <a16:creationId xmlns:a16="http://schemas.microsoft.com/office/drawing/2014/main" id="{0F49DBF6-CCF2-0AE5-AFA3-2DE89F984818}"/>
               </a:ext>
             </a:extLst>
           </p:cNvPr>
@@ -4895,8 +4896,8 @@
         </p:nvSpPr>
         <p:spPr>
           <a:xfrm>
-            <a:off x="282575" y="8246149"/>
-            <a:ext cx="6292850" cy="1559560"/>
+            <a:off x="278950" y="8188549"/>
+            <a:ext cx="6245900" cy="1600910"/>
           </a:xfrm>
           <a:prstGeom prst="roundRect">
             <a:avLst/>
@@ -4921,285 +4922,36 @@
           <a:lstStyle/>
           <a:p>
             <a:pPr algn="ctr"/>
-            <a:endParaRPr lang="de-DE"/>
-          </a:p>
-        </p:txBody>
-      </p:sp>
-      <p:graphicFrame>
-        <p:nvGraphicFramePr>
-          <p:cNvPr id="23" name="Tabelle 23">
-            <a:extLst>
-              <a:ext uri="{FF2B5EF4-FFF2-40B4-BE49-F238E27FC236}">
-                <a16:creationId xmlns:a16="http://schemas.microsoft.com/office/drawing/2014/main" id="{C911EF8A-1FFD-9143-6FF8-413D95B22AA2}"/>
-              </a:ext>
-            </a:extLst>
-          </p:cNvPr>
-          <p:cNvGraphicFramePr>
-            <a:graphicFrameLocks noGrp="1"/>
-          </p:cNvGraphicFramePr>
-          <p:nvPr>
-            <p:extLst>
-              <p:ext uri="{D42A27DB-BD31-4B8C-83A1-F6EECF244321}">
-                <p14:modId xmlns:p14="http://schemas.microsoft.com/office/powerpoint/2010/main" val="3866992900"/>
-              </p:ext>
-            </p:extLst>
-          </p:nvPr>
-        </p:nvGraphicFramePr>
-        <p:xfrm>
-          <a:off x="498250" y="8246149"/>
-          <a:ext cx="5781900" cy="1559560"/>
-        </p:xfrm>
-        <a:graphic>
-          <a:graphicData uri="http://schemas.openxmlformats.org/drawingml/2006/table">
-            <a:tbl>
-              <a:tblPr firstRow="1" bandRow="1">
-                <a:tableStyleId>{2D5ABB26-0587-4C30-8999-92F81FD0307C}</a:tableStyleId>
-              </a:tblPr>
-              <a:tblGrid>
-                <a:gridCol w="1927300">
-                  <a:extLst>
-                    <a:ext uri="{9D8B030D-6E8A-4147-A177-3AD203B41FA5}">
-                      <a16:colId xmlns:a16="http://schemas.microsoft.com/office/drawing/2014/main" val="2976806670"/>
-                    </a:ext>
-                  </a:extLst>
-                </a:gridCol>
-                <a:gridCol w="1927300">
-                  <a:extLst>
-                    <a:ext uri="{9D8B030D-6E8A-4147-A177-3AD203B41FA5}">
-                      <a16:colId xmlns:a16="http://schemas.microsoft.com/office/drawing/2014/main" val="3330578847"/>
-                    </a:ext>
-                  </a:extLst>
-                </a:gridCol>
-                <a:gridCol w="1927300">
-                  <a:extLst>
-                    <a:ext uri="{9D8B030D-6E8A-4147-A177-3AD203B41FA5}">
-                      <a16:colId xmlns:a16="http://schemas.microsoft.com/office/drawing/2014/main" val="3488830504"/>
-                    </a:ext>
-                  </a:extLst>
-                </a:gridCol>
-              </a:tblGrid>
-              <a:tr h="370840">
-                <a:tc>
-                  <a:txBody>
-                    <a:bodyPr/>
-                    <a:lstStyle/>
-                    <a:p>
-                      <a:pPr algn="ctr"/>
-                      <a:r>
-                        <a:rPr lang="de-DE" sz="1800" dirty="0"/>
-                        <a:t>KNO</a:t>
-                      </a:r>
-                    </a:p>
-                  </a:txBody>
-                  <a:tcPr/>
-                </a:tc>
-                <a:tc>
-                  <a:txBody>
-                    <a:bodyPr/>
-                    <a:lstStyle/>
-                    <a:p>
-                      <a:pPr algn="ctr"/>
-                      <a:r>
-                        <a:rPr lang="de-DE" sz="1800" dirty="0"/>
-                        <a:t>CLE</a:t>
-                      </a:r>
-                    </a:p>
-                  </a:txBody>
-                  <a:tcPr/>
-                </a:tc>
-                <a:tc>
-                  <a:txBody>
-                    <a:bodyPr/>
-                    <a:lstStyle/>
-                    <a:p>
-                      <a:pPr algn="ctr"/>
-                      <a:r>
-                        <a:rPr lang="de-DE" sz="1800" dirty="0"/>
-                        <a:t>SOC</a:t>
-                      </a:r>
-                    </a:p>
-                  </a:txBody>
-                  <a:tcPr/>
-                </a:tc>
-                <a:extLst>
-                  <a:ext uri="{0D108BD9-81ED-4DB2-BD59-A6C34878D82A}">
-                    <a16:rowId xmlns:a16="http://schemas.microsoft.com/office/drawing/2014/main" val="2584805961"/>
-                  </a:ext>
-                </a:extLst>
-              </a:tr>
-              <a:tr h="370840">
-                <a:tc>
-                  <a:txBody>
-                    <a:bodyPr/>
-                    <a:lstStyle/>
-                    <a:p>
-                      <a:pPr algn="ctr"/>
-                      <a:r>
-                        <a:rPr lang="de-DE" sz="1800" dirty="0"/>
-                        <a:t>O </a:t>
-                      </a:r>
-                      <a:r>
-                        <a:rPr lang="de-DE" sz="1800" dirty="0" err="1"/>
-                        <a:t>History</a:t>
-                      </a:r>
-                      <a:endParaRPr lang="de-DE" sz="1800" dirty="0"/>
-                    </a:p>
-                    <a:p>
-                      <a:pPr algn="ctr"/>
-                      <a:r>
-                        <a:rPr lang="de-DE" sz="1800" dirty="0"/>
-                        <a:t>O Technical</a:t>
-                      </a:r>
-                      <a:br>
-                        <a:rPr lang="de-DE" sz="1800" dirty="0"/>
-                      </a:br>
-                      <a:r>
-                        <a:rPr lang="de-DE" sz="1800" dirty="0"/>
-                        <a:t>O Natural</a:t>
-                      </a:r>
-                      <a:br>
-                        <a:rPr lang="de-DE" sz="1800" dirty="0"/>
-                      </a:br>
-                      <a:r>
-                        <a:rPr lang="de-DE" sz="1800" dirty="0"/>
-                        <a:t>O </a:t>
-                      </a:r>
-                      <a:r>
-                        <a:rPr lang="de-DE" sz="1800" dirty="0" err="1"/>
-                        <a:t>Magical</a:t>
-                      </a:r>
-                      <a:endParaRPr lang="de-DE" sz="1800" dirty="0"/>
-                    </a:p>
-                  </a:txBody>
-                  <a:tcPr/>
-                </a:tc>
-                <a:tc>
-                  <a:txBody>
-                    <a:bodyPr/>
-                    <a:lstStyle/>
-                    <a:p>
-                      <a:pPr algn="ctr"/>
-                      <a:r>
-                        <a:rPr lang="de-DE" sz="1800" dirty="0"/>
-                        <a:t>O </a:t>
-                      </a:r>
-                      <a:r>
-                        <a:rPr lang="de-DE" sz="1800" dirty="0" err="1"/>
-                        <a:t>Perception</a:t>
-                      </a:r>
-                      <a:endParaRPr lang="de-DE" sz="1800" dirty="0"/>
-                    </a:p>
-                    <a:p>
-                      <a:pPr algn="ctr"/>
-                      <a:r>
-                        <a:rPr lang="de-DE" sz="1800" dirty="0"/>
-                        <a:t>O </a:t>
-                      </a:r>
-                      <a:r>
-                        <a:rPr lang="de-DE" sz="1800" dirty="0" err="1"/>
-                        <a:t>Reaction</a:t>
-                      </a:r>
-                      <a:endParaRPr lang="de-DE" sz="1800" dirty="0"/>
-                    </a:p>
-                  </a:txBody>
-                  <a:tcPr/>
-                </a:tc>
-                <a:tc>
-                  <a:txBody>
-                    <a:bodyPr/>
-                    <a:lstStyle/>
-                    <a:p>
-                      <a:pPr algn="ctr"/>
-                      <a:r>
-                        <a:rPr lang="de-DE" sz="1800" dirty="0"/>
-                        <a:t>O Insight</a:t>
-                      </a:r>
-                    </a:p>
-                    <a:p>
-                      <a:pPr algn="ctr"/>
-                      <a:r>
-                        <a:rPr lang="de-DE" sz="1800" dirty="0"/>
-                        <a:t>O </a:t>
-                      </a:r>
-                      <a:r>
-                        <a:rPr lang="de-DE" sz="1800" dirty="0" err="1"/>
-                        <a:t>Intimidation</a:t>
-                      </a:r>
-                      <a:endParaRPr lang="de-DE" sz="1800" dirty="0"/>
-                    </a:p>
-                    <a:p>
-                      <a:pPr algn="ctr"/>
-                      <a:r>
-                        <a:rPr lang="de-DE" sz="1800" dirty="0"/>
-                        <a:t>O Persuasion</a:t>
-                      </a:r>
-                    </a:p>
-                  </a:txBody>
-                  <a:tcPr/>
-                </a:tc>
-                <a:extLst>
-                  <a:ext uri="{0D108BD9-81ED-4DB2-BD59-A6C34878D82A}">
-                    <a16:rowId xmlns:a16="http://schemas.microsoft.com/office/drawing/2014/main" val="304522956"/>
-                  </a:ext>
-                </a:extLst>
-              </a:tr>
-            </a:tbl>
-          </a:graphicData>
-        </a:graphic>
-      </p:graphicFrame>
-      <p:sp>
-        <p:nvSpPr>
-          <p:cNvPr id="24" name="Ellipse 23">
-            <a:extLst>
-              <a:ext uri="{FF2B5EF4-FFF2-40B4-BE49-F238E27FC236}">
-                <a16:creationId xmlns:a16="http://schemas.microsoft.com/office/drawing/2014/main" id="{25576F21-9BED-262B-D167-5A071E8D7A11}"/>
-              </a:ext>
-            </a:extLst>
-          </p:cNvPr>
-          <p:cNvSpPr/>
-          <p:nvPr/>
-        </p:nvSpPr>
-        <p:spPr>
-          <a:xfrm>
-            <a:off x="3101200" y="9229709"/>
-            <a:ext cx="576000" cy="576000"/>
-          </a:xfrm>
-          <a:prstGeom prst="ellipse">
-            <a:avLst/>
-          </a:prstGeom>
-        </p:spPr>
-        <p:style>
-          <a:lnRef idx="2">
-            <a:schemeClr val="dk1"/>
-          </a:lnRef>
-          <a:fillRef idx="1">
-            <a:schemeClr val="lt1"/>
-          </a:fillRef>
-          <a:effectRef idx="0">
-            <a:schemeClr val="dk1"/>
-          </a:effectRef>
-          <a:fontRef idx="minor">
-            <a:schemeClr val="dk1"/>
-          </a:fontRef>
-        </p:style>
-        <p:txBody>
-          <a:bodyPr rtlCol="0" anchor="ctr"/>
-          <a:lstStyle/>
-          <a:p>
-            <a:pPr algn="ctr"/>
-            <a:endParaRPr lang="de-DE" sz="1100" dirty="0"/>
-          </a:p>
-          <a:p>
-            <a:pPr algn="ctr"/>
-            <a:endParaRPr lang="de-DE" sz="1100" dirty="0"/>
-          </a:p>
-          <a:p>
-            <a:pPr algn="ctr"/>
-            <a:r>
-              <a:rPr lang="de-DE" sz="1100" dirty="0"/>
-              <a:t>PB</a:t>
-            </a:r>
-            <a:endParaRPr lang="de-DE" sz="1200" dirty="0"/>
+            <a:endParaRPr lang="de-DE" dirty="0"/>
+          </a:p>
+          <a:p>
+            <a:pPr algn="ctr"/>
+            <a:r>
+              <a:rPr lang="de-DE" dirty="0"/>
+              <a:t>___________________________________________________</a:t>
+            </a:r>
+            <a:br>
+              <a:rPr lang="de-DE" dirty="0"/>
+            </a:br>
+            <a:br>
+              <a:rPr lang="de-DE" dirty="0"/>
+            </a:br>
+            <a:r>
+              <a:rPr lang="de-DE" dirty="0"/>
+              <a:t>___________________________________________________</a:t>
+            </a:r>
+          </a:p>
+          <a:p>
+            <a:pPr algn="ctr"/>
+            <a:r>
+              <a:rPr lang="de-DE" dirty="0"/>
+              <a:t>Short </a:t>
+            </a:r>
+            <a:r>
+              <a:rPr lang="de-DE" dirty="0" err="1"/>
+              <a:t>description</a:t>
+            </a:r>
+            <a:endParaRPr lang="de-DE" dirty="0"/>
           </a:p>
         </p:txBody>
       </p:sp>
@@ -5674,8 +5426,8 @@
         </p:nvSpPr>
         <p:spPr>
           <a:xfrm>
-            <a:off x="2480231" y="683260"/>
-            <a:ext cx="4111071" cy="3980180"/>
+            <a:off x="2504110" y="678181"/>
+            <a:ext cx="4111071" cy="1900846"/>
           </a:xfrm>
           <a:prstGeom prst="roundRect">
             <a:avLst>
@@ -5720,8 +5472,8 @@
         </p:nvSpPr>
         <p:spPr>
           <a:xfrm>
-            <a:off x="2614600" y="932178"/>
-            <a:ext cx="1716100" cy="712900"/>
+            <a:off x="2638479" y="804412"/>
+            <a:ext cx="1167206" cy="1669206"/>
           </a:xfrm>
           <a:prstGeom prst="roundRect">
             <a:avLst/>
@@ -5750,6 +5502,18 @@
           </a:p>
           <a:p>
             <a:pPr algn="ctr"/>
+            <a:endParaRPr lang="de-DE" sz="1400" dirty="0"/>
+          </a:p>
+          <a:p>
+            <a:pPr algn="ctr"/>
+            <a:endParaRPr lang="de-DE" sz="1400" dirty="0"/>
+          </a:p>
+          <a:p>
+            <a:pPr algn="ctr"/>
+            <a:endParaRPr lang="de-DE" sz="1400" dirty="0"/>
+          </a:p>
+          <a:p>
+            <a:pPr algn="ctr"/>
             <a:r>
               <a:rPr lang="de-DE" sz="1400" dirty="0"/>
               <a:t>/</a:t>
@@ -5757,800 +5521,21 @@
           </a:p>
           <a:p>
             <a:pPr algn="ctr"/>
+            <a:endParaRPr lang="de-DE" sz="1400" dirty="0"/>
+          </a:p>
+          <a:p>
+            <a:pPr algn="ctr"/>
+            <a:endParaRPr lang="de-DE" sz="1400" dirty="0"/>
+          </a:p>
+          <a:p>
+            <a:pPr algn="ctr"/>
             <a:r>
               <a:rPr lang="de-DE" sz="1400" dirty="0"/>
-              <a:t>General HP</a:t>
-            </a:r>
-          </a:p>
-        </p:txBody>
-      </p:sp>
-      <p:graphicFrame>
-        <p:nvGraphicFramePr>
-          <p:cNvPr id="20" name="Tabelle 20">
-            <a:extLst>
-              <a:ext uri="{FF2B5EF4-FFF2-40B4-BE49-F238E27FC236}">
-                <a16:creationId xmlns:a16="http://schemas.microsoft.com/office/drawing/2014/main" id="{A7359AD1-56A8-AF7E-4EFD-803F570DAB42}"/>
-              </a:ext>
-            </a:extLst>
-          </p:cNvPr>
-          <p:cNvGraphicFramePr>
-            <a:graphicFrameLocks noGrp="1"/>
-          </p:cNvGraphicFramePr>
-          <p:nvPr>
-            <p:extLst>
-              <p:ext uri="{D42A27DB-BD31-4B8C-83A1-F6EECF244321}">
-                <p14:modId xmlns:p14="http://schemas.microsoft.com/office/powerpoint/2010/main" val="129647244"/>
-              </p:ext>
-            </p:extLst>
-          </p:nvPr>
-        </p:nvGraphicFramePr>
-        <p:xfrm>
-          <a:off x="2780498" y="1645078"/>
-          <a:ext cx="1384304" cy="297180"/>
-        </p:xfrm>
-        <a:graphic>
-          <a:graphicData uri="http://schemas.openxmlformats.org/drawingml/2006/table">
-            <a:tbl>
-              <a:tblPr firstRow="1" bandRow="1">
-                <a:tableStyleId>{5940675A-B579-460E-94D1-54222C63F5DA}</a:tableStyleId>
-              </a:tblPr>
-              <a:tblGrid>
-                <a:gridCol w="346076">
-                  <a:extLst>
-                    <a:ext uri="{9D8B030D-6E8A-4147-A177-3AD203B41FA5}">
-                      <a16:colId xmlns:a16="http://schemas.microsoft.com/office/drawing/2014/main" val="1544147535"/>
-                    </a:ext>
-                  </a:extLst>
-                </a:gridCol>
-                <a:gridCol w="346076">
-                  <a:extLst>
-                    <a:ext uri="{9D8B030D-6E8A-4147-A177-3AD203B41FA5}">
-                      <a16:colId xmlns:a16="http://schemas.microsoft.com/office/drawing/2014/main" val="2623939116"/>
-                    </a:ext>
-                  </a:extLst>
-                </a:gridCol>
-                <a:gridCol w="346076">
-                  <a:extLst>
-                    <a:ext uri="{9D8B030D-6E8A-4147-A177-3AD203B41FA5}">
-                      <a16:colId xmlns:a16="http://schemas.microsoft.com/office/drawing/2014/main" val="2013541605"/>
-                    </a:ext>
-                  </a:extLst>
-                </a:gridCol>
-                <a:gridCol w="346076">
-                  <a:extLst>
-                    <a:ext uri="{9D8B030D-6E8A-4147-A177-3AD203B41FA5}">
-                      <a16:colId xmlns:a16="http://schemas.microsoft.com/office/drawing/2014/main" val="3539774709"/>
-                    </a:ext>
-                  </a:extLst>
-                </a:gridCol>
-              </a:tblGrid>
-              <a:tr h="274320">
-                <a:tc>
-                  <a:txBody>
-                    <a:bodyPr/>
-                    <a:lstStyle/>
-                    <a:p>
-                      <a:endParaRPr lang="de-DE"/>
-                    </a:p>
-                  </a:txBody>
-                  <a:tcPr/>
-                </a:tc>
-                <a:tc>
-                  <a:txBody>
-                    <a:bodyPr/>
-                    <a:lstStyle/>
-                    <a:p>
-                      <a:endParaRPr lang="de-DE" dirty="0"/>
-                    </a:p>
-                  </a:txBody>
-                  <a:tcPr/>
-                </a:tc>
-                <a:tc>
-                  <a:txBody>
-                    <a:bodyPr/>
-                    <a:lstStyle/>
-                    <a:p>
-                      <a:endParaRPr lang="de-DE" dirty="0"/>
-                    </a:p>
-                  </a:txBody>
-                  <a:tcPr/>
-                </a:tc>
-                <a:tc>
-                  <a:txBody>
-                    <a:bodyPr/>
-                    <a:lstStyle/>
-                    <a:p>
-                      <a:endParaRPr lang="de-DE" dirty="0"/>
-                    </a:p>
-                  </a:txBody>
-                  <a:tcPr/>
-                </a:tc>
-                <a:extLst>
-                  <a:ext uri="{0D108BD9-81ED-4DB2-BD59-A6C34878D82A}">
-                    <a16:rowId xmlns:a16="http://schemas.microsoft.com/office/drawing/2014/main" val="1562072577"/>
-                  </a:ext>
-                </a:extLst>
-              </a:tr>
-            </a:tbl>
-          </a:graphicData>
-        </a:graphic>
-      </p:graphicFrame>
-      <p:sp>
-        <p:nvSpPr>
-          <p:cNvPr id="21" name="Rechteck: abgerundete Ecken 20">
-            <a:extLst>
-              <a:ext uri="{FF2B5EF4-FFF2-40B4-BE49-F238E27FC236}">
-                <a16:creationId xmlns:a16="http://schemas.microsoft.com/office/drawing/2014/main" id="{5AA165F1-289F-F876-BD93-2344C6334EAB}"/>
-              </a:ext>
-            </a:extLst>
-          </p:cNvPr>
-          <p:cNvSpPr/>
-          <p:nvPr/>
-        </p:nvSpPr>
-        <p:spPr>
-          <a:xfrm>
-            <a:off x="4568661" y="932178"/>
-            <a:ext cx="1716100" cy="712900"/>
-          </a:xfrm>
-          <a:prstGeom prst="roundRect">
-            <a:avLst/>
-          </a:prstGeom>
-        </p:spPr>
-        <p:style>
-          <a:lnRef idx="2">
-            <a:schemeClr val="dk1"/>
-          </a:lnRef>
-          <a:fillRef idx="1">
-            <a:schemeClr val="lt1"/>
-          </a:fillRef>
-          <a:effectRef idx="0">
-            <a:schemeClr val="dk1"/>
-          </a:effectRef>
-          <a:fontRef idx="minor">
-            <a:schemeClr val="dk1"/>
-          </a:fontRef>
-        </p:style>
-        <p:txBody>
-          <a:bodyPr rtlCol="0" anchor="ctr"/>
-          <a:lstStyle/>
-          <a:p>
-            <a:pPr algn="ctr"/>
-            <a:endParaRPr lang="de-DE" sz="1400" dirty="0"/>
-          </a:p>
-          <a:p>
-            <a:pPr algn="ctr"/>
-            <a:r>
-              <a:rPr lang="de-DE" sz="1400" dirty="0"/>
-              <a:t>/</a:t>
-            </a:r>
-          </a:p>
-          <a:p>
-            <a:pPr algn="ctr"/>
-            <a:r>
-              <a:rPr lang="de-DE" sz="1400" dirty="0"/>
-              <a:t>Head-HP</a:t>
-            </a:r>
-          </a:p>
-        </p:txBody>
-      </p:sp>
-      <p:graphicFrame>
-        <p:nvGraphicFramePr>
-          <p:cNvPr id="22" name="Tabelle 20">
-            <a:extLst>
-              <a:ext uri="{FF2B5EF4-FFF2-40B4-BE49-F238E27FC236}">
-                <a16:creationId xmlns:a16="http://schemas.microsoft.com/office/drawing/2014/main" id="{86CF18DC-1469-0A66-D162-542E8CD97CDF}"/>
-              </a:ext>
-            </a:extLst>
-          </p:cNvPr>
-          <p:cNvGraphicFramePr>
-            <a:graphicFrameLocks noGrp="1"/>
-          </p:cNvGraphicFramePr>
-          <p:nvPr>
-            <p:extLst>
-              <p:ext uri="{D42A27DB-BD31-4B8C-83A1-F6EECF244321}">
-                <p14:modId xmlns:p14="http://schemas.microsoft.com/office/powerpoint/2010/main" val="620219536"/>
-              </p:ext>
-            </p:extLst>
-          </p:nvPr>
-        </p:nvGraphicFramePr>
-        <p:xfrm>
-          <a:off x="4734559" y="1645078"/>
-          <a:ext cx="1384304" cy="297180"/>
-        </p:xfrm>
-        <a:graphic>
-          <a:graphicData uri="http://schemas.openxmlformats.org/drawingml/2006/table">
-            <a:tbl>
-              <a:tblPr firstRow="1" bandRow="1">
-                <a:tableStyleId>{5940675A-B579-460E-94D1-54222C63F5DA}</a:tableStyleId>
-              </a:tblPr>
-              <a:tblGrid>
-                <a:gridCol w="346076">
-                  <a:extLst>
-                    <a:ext uri="{9D8B030D-6E8A-4147-A177-3AD203B41FA5}">
-                      <a16:colId xmlns:a16="http://schemas.microsoft.com/office/drawing/2014/main" val="1544147535"/>
-                    </a:ext>
-                  </a:extLst>
-                </a:gridCol>
-                <a:gridCol w="346076">
-                  <a:extLst>
-                    <a:ext uri="{9D8B030D-6E8A-4147-A177-3AD203B41FA5}">
-                      <a16:colId xmlns:a16="http://schemas.microsoft.com/office/drawing/2014/main" val="2623939116"/>
-                    </a:ext>
-                  </a:extLst>
-                </a:gridCol>
-                <a:gridCol w="346076">
-                  <a:extLst>
-                    <a:ext uri="{9D8B030D-6E8A-4147-A177-3AD203B41FA5}">
-                      <a16:colId xmlns:a16="http://schemas.microsoft.com/office/drawing/2014/main" val="2013541605"/>
-                    </a:ext>
-                  </a:extLst>
-                </a:gridCol>
-                <a:gridCol w="346076">
-                  <a:extLst>
-                    <a:ext uri="{9D8B030D-6E8A-4147-A177-3AD203B41FA5}">
-                      <a16:colId xmlns:a16="http://schemas.microsoft.com/office/drawing/2014/main" val="3539774709"/>
-                    </a:ext>
-                  </a:extLst>
-                </a:gridCol>
-              </a:tblGrid>
-              <a:tr h="274320">
-                <a:tc>
-                  <a:txBody>
-                    <a:bodyPr/>
-                    <a:lstStyle/>
-                    <a:p>
-                      <a:endParaRPr lang="de-DE"/>
-                    </a:p>
-                  </a:txBody>
-                  <a:tcPr/>
-                </a:tc>
-                <a:tc>
-                  <a:txBody>
-                    <a:bodyPr/>
-                    <a:lstStyle/>
-                    <a:p>
-                      <a:endParaRPr lang="de-DE"/>
-                    </a:p>
-                  </a:txBody>
-                  <a:tcPr/>
-                </a:tc>
-                <a:tc>
-                  <a:txBody>
-                    <a:bodyPr/>
-                    <a:lstStyle/>
-                    <a:p>
-                      <a:endParaRPr lang="de-DE" dirty="0"/>
-                    </a:p>
-                  </a:txBody>
-                  <a:tcPr/>
-                </a:tc>
-                <a:tc>
-                  <a:txBody>
-                    <a:bodyPr/>
-                    <a:lstStyle/>
-                    <a:p>
-                      <a:endParaRPr lang="de-DE" dirty="0"/>
-                    </a:p>
-                  </a:txBody>
-                  <a:tcPr/>
-                </a:tc>
-                <a:extLst>
-                  <a:ext uri="{0D108BD9-81ED-4DB2-BD59-A6C34878D82A}">
-                    <a16:rowId xmlns:a16="http://schemas.microsoft.com/office/drawing/2014/main" val="1562072577"/>
-                  </a:ext>
-                </a:extLst>
-              </a:tr>
-            </a:tbl>
-          </a:graphicData>
-        </a:graphic>
-      </p:graphicFrame>
-      <p:sp>
-        <p:nvSpPr>
-          <p:cNvPr id="27" name="Rechteck: abgerundete Ecken 26">
-            <a:extLst>
-              <a:ext uri="{FF2B5EF4-FFF2-40B4-BE49-F238E27FC236}">
-                <a16:creationId xmlns:a16="http://schemas.microsoft.com/office/drawing/2014/main" id="{F692FE44-4D74-B1BE-3B70-D529A186967D}"/>
-              </a:ext>
-            </a:extLst>
-          </p:cNvPr>
-          <p:cNvSpPr/>
-          <p:nvPr/>
-        </p:nvSpPr>
-        <p:spPr>
-          <a:xfrm>
-            <a:off x="2614600" y="2090863"/>
-            <a:ext cx="1716100" cy="712900"/>
-          </a:xfrm>
-          <a:prstGeom prst="roundRect">
-            <a:avLst/>
-          </a:prstGeom>
-        </p:spPr>
-        <p:style>
-          <a:lnRef idx="2">
-            <a:schemeClr val="dk1"/>
-          </a:lnRef>
-          <a:fillRef idx="1">
-            <a:schemeClr val="lt1"/>
-          </a:fillRef>
-          <a:effectRef idx="0">
-            <a:schemeClr val="dk1"/>
-          </a:effectRef>
-          <a:fontRef idx="minor">
-            <a:schemeClr val="dk1"/>
-          </a:fontRef>
-        </p:style>
-        <p:txBody>
-          <a:bodyPr rtlCol="0" anchor="ctr"/>
-          <a:lstStyle/>
-          <a:p>
-            <a:pPr algn="ctr"/>
-            <a:endParaRPr lang="de-DE" sz="1400" dirty="0"/>
-          </a:p>
-          <a:p>
-            <a:pPr algn="ctr"/>
-            <a:r>
-              <a:rPr lang="de-DE" sz="1400" dirty="0"/>
-              <a:t>/</a:t>
-            </a:r>
-          </a:p>
-          <a:p>
-            <a:pPr algn="ctr"/>
-            <a:r>
-              <a:rPr lang="de-DE" sz="1400" dirty="0"/>
-              <a:t>Arm-HP</a:t>
-            </a:r>
-          </a:p>
-        </p:txBody>
-      </p:sp>
-      <p:graphicFrame>
-        <p:nvGraphicFramePr>
-          <p:cNvPr id="29" name="Tabelle 20">
-            <a:extLst>
-              <a:ext uri="{FF2B5EF4-FFF2-40B4-BE49-F238E27FC236}">
-                <a16:creationId xmlns:a16="http://schemas.microsoft.com/office/drawing/2014/main" id="{2DD56B19-5D22-A0CE-CDDC-3FCA64CED4D7}"/>
-              </a:ext>
-            </a:extLst>
-          </p:cNvPr>
-          <p:cNvGraphicFramePr>
-            <a:graphicFrameLocks noGrp="1"/>
-          </p:cNvGraphicFramePr>
-          <p:nvPr>
-            <p:extLst>
-              <p:ext uri="{D42A27DB-BD31-4B8C-83A1-F6EECF244321}">
-                <p14:modId xmlns:p14="http://schemas.microsoft.com/office/powerpoint/2010/main" val="2427751082"/>
-              </p:ext>
-            </p:extLst>
-          </p:nvPr>
-        </p:nvGraphicFramePr>
-        <p:xfrm>
-          <a:off x="2780498" y="2803763"/>
-          <a:ext cx="1384304" cy="297180"/>
-        </p:xfrm>
-        <a:graphic>
-          <a:graphicData uri="http://schemas.openxmlformats.org/drawingml/2006/table">
-            <a:tbl>
-              <a:tblPr firstRow="1" bandRow="1">
-                <a:tableStyleId>{5940675A-B579-460E-94D1-54222C63F5DA}</a:tableStyleId>
-              </a:tblPr>
-              <a:tblGrid>
-                <a:gridCol w="346076">
-                  <a:extLst>
-                    <a:ext uri="{9D8B030D-6E8A-4147-A177-3AD203B41FA5}">
-                      <a16:colId xmlns:a16="http://schemas.microsoft.com/office/drawing/2014/main" val="1544147535"/>
-                    </a:ext>
-                  </a:extLst>
-                </a:gridCol>
-                <a:gridCol w="346076">
-                  <a:extLst>
-                    <a:ext uri="{9D8B030D-6E8A-4147-A177-3AD203B41FA5}">
-                      <a16:colId xmlns:a16="http://schemas.microsoft.com/office/drawing/2014/main" val="2623939116"/>
-                    </a:ext>
-                  </a:extLst>
-                </a:gridCol>
-                <a:gridCol w="346076">
-                  <a:extLst>
-                    <a:ext uri="{9D8B030D-6E8A-4147-A177-3AD203B41FA5}">
-                      <a16:colId xmlns:a16="http://schemas.microsoft.com/office/drawing/2014/main" val="2013541605"/>
-                    </a:ext>
-                  </a:extLst>
-                </a:gridCol>
-                <a:gridCol w="346076">
-                  <a:extLst>
-                    <a:ext uri="{9D8B030D-6E8A-4147-A177-3AD203B41FA5}">
-                      <a16:colId xmlns:a16="http://schemas.microsoft.com/office/drawing/2014/main" val="3539774709"/>
-                    </a:ext>
-                  </a:extLst>
-                </a:gridCol>
-              </a:tblGrid>
-              <a:tr h="274320">
-                <a:tc>
-                  <a:txBody>
-                    <a:bodyPr/>
-                    <a:lstStyle/>
-                    <a:p>
-                      <a:endParaRPr lang="de-DE"/>
-                    </a:p>
-                  </a:txBody>
-                  <a:tcPr/>
-                </a:tc>
-                <a:tc>
-                  <a:txBody>
-                    <a:bodyPr/>
-                    <a:lstStyle/>
-                    <a:p>
-                      <a:endParaRPr lang="de-DE" dirty="0"/>
-                    </a:p>
-                  </a:txBody>
-                  <a:tcPr/>
-                </a:tc>
-                <a:tc>
-                  <a:txBody>
-                    <a:bodyPr/>
-                    <a:lstStyle/>
-                    <a:p>
-                      <a:endParaRPr lang="de-DE" dirty="0"/>
-                    </a:p>
-                  </a:txBody>
-                  <a:tcPr/>
-                </a:tc>
-                <a:tc>
-                  <a:txBody>
-                    <a:bodyPr/>
-                    <a:lstStyle/>
-                    <a:p>
-                      <a:endParaRPr lang="de-DE" dirty="0"/>
-                    </a:p>
-                  </a:txBody>
-                  <a:tcPr/>
-                </a:tc>
-                <a:extLst>
-                  <a:ext uri="{0D108BD9-81ED-4DB2-BD59-A6C34878D82A}">
-                    <a16:rowId xmlns:a16="http://schemas.microsoft.com/office/drawing/2014/main" val="1562072577"/>
-                  </a:ext>
-                </a:extLst>
-              </a:tr>
-            </a:tbl>
-          </a:graphicData>
-        </a:graphic>
-      </p:graphicFrame>
-      <p:sp>
-        <p:nvSpPr>
-          <p:cNvPr id="31" name="Rechteck: abgerundete Ecken 30">
-            <a:extLst>
-              <a:ext uri="{FF2B5EF4-FFF2-40B4-BE49-F238E27FC236}">
-                <a16:creationId xmlns:a16="http://schemas.microsoft.com/office/drawing/2014/main" id="{F206664F-C15C-3EF2-3BCB-BC7AC4BB9C5E}"/>
-              </a:ext>
-            </a:extLst>
-          </p:cNvPr>
-          <p:cNvSpPr/>
-          <p:nvPr/>
-        </p:nvSpPr>
-        <p:spPr>
-          <a:xfrm>
-            <a:off x="4568661" y="2090863"/>
-            <a:ext cx="1716100" cy="712900"/>
-          </a:xfrm>
-          <a:prstGeom prst="roundRect">
-            <a:avLst/>
-          </a:prstGeom>
-        </p:spPr>
-        <p:style>
-          <a:lnRef idx="2">
-            <a:schemeClr val="dk1"/>
-          </a:lnRef>
-          <a:fillRef idx="1">
-            <a:schemeClr val="lt1"/>
-          </a:fillRef>
-          <a:effectRef idx="0">
-            <a:schemeClr val="dk1"/>
-          </a:effectRef>
-          <a:fontRef idx="minor">
-            <a:schemeClr val="dk1"/>
-          </a:fontRef>
-        </p:style>
-        <p:txBody>
-          <a:bodyPr rtlCol="0" anchor="ctr"/>
-          <a:lstStyle/>
-          <a:p>
-            <a:pPr algn="ctr"/>
-            <a:endParaRPr lang="de-DE" sz="1400" dirty="0"/>
-          </a:p>
-          <a:p>
-            <a:pPr algn="ctr"/>
-            <a:r>
-              <a:rPr lang="de-DE" sz="1400" dirty="0"/>
-              <a:t>/</a:t>
-            </a:r>
-          </a:p>
-          <a:p>
-            <a:pPr algn="ctr"/>
-            <a:r>
-              <a:rPr lang="de-DE" sz="1400" dirty="0"/>
-              <a:t>Leg-HP</a:t>
-            </a:r>
-          </a:p>
-        </p:txBody>
-      </p:sp>
-      <p:graphicFrame>
-        <p:nvGraphicFramePr>
-          <p:cNvPr id="32" name="Tabelle 20">
-            <a:extLst>
-              <a:ext uri="{FF2B5EF4-FFF2-40B4-BE49-F238E27FC236}">
-                <a16:creationId xmlns:a16="http://schemas.microsoft.com/office/drawing/2014/main" id="{58507386-10F0-CD38-C8A6-61C1FE06E9AF}"/>
-              </a:ext>
-            </a:extLst>
-          </p:cNvPr>
-          <p:cNvGraphicFramePr>
-            <a:graphicFrameLocks noGrp="1"/>
-          </p:cNvGraphicFramePr>
-          <p:nvPr>
-            <p:extLst>
-              <p:ext uri="{D42A27DB-BD31-4B8C-83A1-F6EECF244321}">
-                <p14:modId xmlns:p14="http://schemas.microsoft.com/office/powerpoint/2010/main" val="1836249320"/>
-              </p:ext>
-            </p:extLst>
-          </p:nvPr>
-        </p:nvGraphicFramePr>
-        <p:xfrm>
-          <a:off x="4734559" y="2803763"/>
-          <a:ext cx="1384304" cy="297180"/>
-        </p:xfrm>
-        <a:graphic>
-          <a:graphicData uri="http://schemas.openxmlformats.org/drawingml/2006/table">
-            <a:tbl>
-              <a:tblPr firstRow="1" bandRow="1">
-                <a:tableStyleId>{5940675A-B579-460E-94D1-54222C63F5DA}</a:tableStyleId>
-              </a:tblPr>
-              <a:tblGrid>
-                <a:gridCol w="346076">
-                  <a:extLst>
-                    <a:ext uri="{9D8B030D-6E8A-4147-A177-3AD203B41FA5}">
-                      <a16:colId xmlns:a16="http://schemas.microsoft.com/office/drawing/2014/main" val="1544147535"/>
-                    </a:ext>
-                  </a:extLst>
-                </a:gridCol>
-                <a:gridCol w="346076">
-                  <a:extLst>
-                    <a:ext uri="{9D8B030D-6E8A-4147-A177-3AD203B41FA5}">
-                      <a16:colId xmlns:a16="http://schemas.microsoft.com/office/drawing/2014/main" val="2623939116"/>
-                    </a:ext>
-                  </a:extLst>
-                </a:gridCol>
-                <a:gridCol w="346076">
-                  <a:extLst>
-                    <a:ext uri="{9D8B030D-6E8A-4147-A177-3AD203B41FA5}">
-                      <a16:colId xmlns:a16="http://schemas.microsoft.com/office/drawing/2014/main" val="2013541605"/>
-                    </a:ext>
-                  </a:extLst>
-                </a:gridCol>
-                <a:gridCol w="346076">
-                  <a:extLst>
-                    <a:ext uri="{9D8B030D-6E8A-4147-A177-3AD203B41FA5}">
-                      <a16:colId xmlns:a16="http://schemas.microsoft.com/office/drawing/2014/main" val="3539774709"/>
-                    </a:ext>
-                  </a:extLst>
-                </a:gridCol>
-              </a:tblGrid>
-              <a:tr h="274320">
-                <a:tc>
-                  <a:txBody>
-                    <a:bodyPr/>
-                    <a:lstStyle/>
-                    <a:p>
-                      <a:endParaRPr lang="de-DE"/>
-                    </a:p>
-                  </a:txBody>
-                  <a:tcPr/>
-                </a:tc>
-                <a:tc>
-                  <a:txBody>
-                    <a:bodyPr/>
-                    <a:lstStyle/>
-                    <a:p>
-                      <a:endParaRPr lang="de-DE"/>
-                    </a:p>
-                  </a:txBody>
-                  <a:tcPr/>
-                </a:tc>
-                <a:tc>
-                  <a:txBody>
-                    <a:bodyPr/>
-                    <a:lstStyle/>
-                    <a:p>
-                      <a:endParaRPr lang="de-DE" dirty="0"/>
-                    </a:p>
-                  </a:txBody>
-                  <a:tcPr/>
-                </a:tc>
-                <a:tc>
-                  <a:txBody>
-                    <a:bodyPr/>
-                    <a:lstStyle/>
-                    <a:p>
-                      <a:endParaRPr lang="de-DE" dirty="0"/>
-                    </a:p>
-                  </a:txBody>
-                  <a:tcPr/>
-                </a:tc>
-                <a:extLst>
-                  <a:ext uri="{0D108BD9-81ED-4DB2-BD59-A6C34878D82A}">
-                    <a16:rowId xmlns:a16="http://schemas.microsoft.com/office/drawing/2014/main" val="1562072577"/>
-                  </a:ext>
-                </a:extLst>
-              </a:tr>
-            </a:tbl>
-          </a:graphicData>
-        </a:graphic>
-      </p:graphicFrame>
-      <p:sp>
-        <p:nvSpPr>
-          <p:cNvPr id="33" name="Rechteck: abgerundete Ecken 32">
-            <a:extLst>
-              <a:ext uri="{FF2B5EF4-FFF2-40B4-BE49-F238E27FC236}">
-                <a16:creationId xmlns:a16="http://schemas.microsoft.com/office/drawing/2014/main" id="{245E459D-C8DD-0E76-90FF-21C86DD04588}"/>
-              </a:ext>
-            </a:extLst>
-          </p:cNvPr>
-          <p:cNvSpPr/>
-          <p:nvPr/>
-        </p:nvSpPr>
-        <p:spPr>
-          <a:xfrm>
-            <a:off x="2614600" y="3249548"/>
-            <a:ext cx="1716100" cy="712900"/>
-          </a:xfrm>
-          <a:prstGeom prst="roundRect">
-            <a:avLst/>
-          </a:prstGeom>
-        </p:spPr>
-        <p:style>
-          <a:lnRef idx="2">
-            <a:schemeClr val="dk1"/>
-          </a:lnRef>
-          <a:fillRef idx="1">
-            <a:schemeClr val="lt1"/>
-          </a:fillRef>
-          <a:effectRef idx="0">
-            <a:schemeClr val="dk1"/>
-          </a:effectRef>
-          <a:fontRef idx="minor">
-            <a:schemeClr val="dk1"/>
-          </a:fontRef>
-        </p:style>
-        <p:txBody>
-          <a:bodyPr rtlCol="0" anchor="ctr"/>
-          <a:lstStyle/>
-          <a:p>
-            <a:pPr algn="ctr"/>
-            <a:endParaRPr lang="de-DE" sz="1400" dirty="0"/>
-          </a:p>
-          <a:p>
-            <a:pPr algn="ctr"/>
-            <a:r>
-              <a:rPr lang="de-DE" sz="1400" dirty="0"/>
-              <a:t>/</a:t>
-            </a:r>
-          </a:p>
-          <a:p>
-            <a:pPr algn="ctr"/>
-            <a:r>
-              <a:rPr lang="de-DE" sz="1400" dirty="0"/>
-              <a:t>Upper-Body-HP</a:t>
-            </a:r>
-          </a:p>
-        </p:txBody>
-      </p:sp>
-      <p:graphicFrame>
-        <p:nvGraphicFramePr>
-          <p:cNvPr id="37" name="Tabelle 20">
-            <a:extLst>
-              <a:ext uri="{FF2B5EF4-FFF2-40B4-BE49-F238E27FC236}">
-                <a16:creationId xmlns:a16="http://schemas.microsoft.com/office/drawing/2014/main" id="{FAACDB7F-C30D-9519-7135-3AC90095CE2E}"/>
-              </a:ext>
-            </a:extLst>
-          </p:cNvPr>
-          <p:cNvGraphicFramePr>
-            <a:graphicFrameLocks noGrp="1"/>
-          </p:cNvGraphicFramePr>
-          <p:nvPr>
-            <p:extLst>
-              <p:ext uri="{D42A27DB-BD31-4B8C-83A1-F6EECF244321}">
-                <p14:modId xmlns:p14="http://schemas.microsoft.com/office/powerpoint/2010/main" val="901835049"/>
-              </p:ext>
-            </p:extLst>
-          </p:nvPr>
-        </p:nvGraphicFramePr>
-        <p:xfrm>
-          <a:off x="2780498" y="3962448"/>
-          <a:ext cx="1384304" cy="297180"/>
-        </p:xfrm>
-        <a:graphic>
-          <a:graphicData uri="http://schemas.openxmlformats.org/drawingml/2006/table">
-            <a:tbl>
-              <a:tblPr firstRow="1" bandRow="1">
-                <a:tableStyleId>{5940675A-B579-460E-94D1-54222C63F5DA}</a:tableStyleId>
-              </a:tblPr>
-              <a:tblGrid>
-                <a:gridCol w="346076">
-                  <a:extLst>
-                    <a:ext uri="{9D8B030D-6E8A-4147-A177-3AD203B41FA5}">
-                      <a16:colId xmlns:a16="http://schemas.microsoft.com/office/drawing/2014/main" val="1544147535"/>
-                    </a:ext>
-                  </a:extLst>
-                </a:gridCol>
-                <a:gridCol w="346076">
-                  <a:extLst>
-                    <a:ext uri="{9D8B030D-6E8A-4147-A177-3AD203B41FA5}">
-                      <a16:colId xmlns:a16="http://schemas.microsoft.com/office/drawing/2014/main" val="2623939116"/>
-                    </a:ext>
-                  </a:extLst>
-                </a:gridCol>
-                <a:gridCol w="346076">
-                  <a:extLst>
-                    <a:ext uri="{9D8B030D-6E8A-4147-A177-3AD203B41FA5}">
-                      <a16:colId xmlns:a16="http://schemas.microsoft.com/office/drawing/2014/main" val="2013541605"/>
-                    </a:ext>
-                  </a:extLst>
-                </a:gridCol>
-                <a:gridCol w="346076">
-                  <a:extLst>
-                    <a:ext uri="{9D8B030D-6E8A-4147-A177-3AD203B41FA5}">
-                      <a16:colId xmlns:a16="http://schemas.microsoft.com/office/drawing/2014/main" val="3539774709"/>
-                    </a:ext>
-                  </a:extLst>
-                </a:gridCol>
-              </a:tblGrid>
-              <a:tr h="274320">
-                <a:tc>
-                  <a:txBody>
-                    <a:bodyPr/>
-                    <a:lstStyle/>
-                    <a:p>
-                      <a:endParaRPr lang="de-DE"/>
-                    </a:p>
-                  </a:txBody>
-                  <a:tcPr/>
-                </a:tc>
-                <a:tc>
-                  <a:txBody>
-                    <a:bodyPr/>
-                    <a:lstStyle/>
-                    <a:p>
-                      <a:endParaRPr lang="de-DE" dirty="0"/>
-                    </a:p>
-                  </a:txBody>
-                  <a:tcPr/>
-                </a:tc>
-                <a:tc>
-                  <a:txBody>
-                    <a:bodyPr/>
-                    <a:lstStyle/>
-                    <a:p>
-                      <a:endParaRPr lang="de-DE" dirty="0"/>
-                    </a:p>
-                  </a:txBody>
-                  <a:tcPr/>
-                </a:tc>
-                <a:tc>
-                  <a:txBody>
-                    <a:bodyPr/>
-                    <a:lstStyle/>
-                    <a:p>
-                      <a:endParaRPr lang="de-DE" dirty="0"/>
-                    </a:p>
-                  </a:txBody>
-                  <a:tcPr/>
-                </a:tc>
-                <a:extLst>
-                  <a:ext uri="{0D108BD9-81ED-4DB2-BD59-A6C34878D82A}">
-                    <a16:rowId xmlns:a16="http://schemas.microsoft.com/office/drawing/2014/main" val="1562072577"/>
-                  </a:ext>
-                </a:extLst>
-              </a:tr>
-            </a:tbl>
-          </a:graphicData>
-        </a:graphic>
-      </p:graphicFrame>
+              <a:t>HP</a:t>
+            </a:r>
+          </a:p>
+        </p:txBody>
+      </p:sp>
       <p:sp>
         <p:nvSpPr>
           <p:cNvPr id="2" name="Rechteck: abgerundete Ecken 1">
@@ -6565,8 +5550,8 @@
         </p:nvSpPr>
         <p:spPr>
           <a:xfrm>
-            <a:off x="4535766" y="3249548"/>
-            <a:ext cx="756295" cy="712900"/>
+            <a:off x="3917031" y="1675489"/>
+            <a:ext cx="1110565" cy="798129"/>
           </a:xfrm>
           <a:prstGeom prst="roundRect">
             <a:avLst/>
@@ -6623,8 +5608,8 @@
         </p:nvSpPr>
         <p:spPr>
           <a:xfrm>
-            <a:off x="5528466" y="3249548"/>
-            <a:ext cx="756295" cy="712900"/>
+            <a:off x="3940054" y="776132"/>
+            <a:ext cx="1087542" cy="793949"/>
           </a:xfrm>
           <a:prstGeom prst="roundRect">
             <a:avLst/>
@@ -6728,12 +5713,12 @@
         </p:nvSpPr>
         <p:spPr>
           <a:xfrm>
-            <a:off x="237749" y="2685706"/>
-            <a:ext cx="2139949" cy="1977734"/>
+            <a:off x="237748" y="5885633"/>
+            <a:ext cx="2755638" cy="1977734"/>
           </a:xfrm>
           <a:prstGeom prst="roundRect">
             <a:avLst>
-              <a:gd name="adj" fmla="val 6687"/>
+              <a:gd name="adj" fmla="val 30729"/>
             </a:avLst>
           </a:prstGeom>
         </p:spPr>
@@ -6814,8 +5799,8 @@
         </p:nvSpPr>
         <p:spPr>
           <a:xfrm>
-            <a:off x="237749" y="4770120"/>
-            <a:ext cx="6353553" cy="4983480"/>
+            <a:off x="237748" y="2713410"/>
+            <a:ext cx="6353553" cy="3037840"/>
           </a:xfrm>
           <a:prstGeom prst="roundRect">
             <a:avLst/>
@@ -6892,42 +5877,6 @@
           </a:p>
           <a:p>
             <a:pPr algn="ctr"/>
-            <a:endParaRPr lang="de-DE" sz="1400" dirty="0"/>
-          </a:p>
-          <a:p>
-            <a:pPr algn="ctr"/>
-            <a:endParaRPr lang="de-DE" sz="1400" dirty="0"/>
-          </a:p>
-          <a:p>
-            <a:pPr algn="ctr"/>
-            <a:endParaRPr lang="de-DE" sz="1400" dirty="0"/>
-          </a:p>
-          <a:p>
-            <a:pPr algn="ctr"/>
-            <a:endParaRPr lang="de-DE" sz="1400" dirty="0"/>
-          </a:p>
-          <a:p>
-            <a:pPr algn="ctr"/>
-            <a:endParaRPr lang="de-DE" sz="1400" dirty="0"/>
-          </a:p>
-          <a:p>
-            <a:pPr algn="ctr"/>
-            <a:endParaRPr lang="de-DE" sz="1400" dirty="0"/>
-          </a:p>
-          <a:p>
-            <a:pPr algn="ctr"/>
-            <a:endParaRPr lang="de-DE" sz="1400" dirty="0"/>
-          </a:p>
-          <a:p>
-            <a:pPr algn="ctr"/>
-            <a:endParaRPr lang="de-DE" sz="1400" dirty="0"/>
-          </a:p>
-          <a:p>
-            <a:pPr algn="ctr"/>
-            <a:endParaRPr lang="de-DE" sz="1400" dirty="0"/>
-          </a:p>
-          <a:p>
-            <a:pPr algn="ctr"/>
             <a:r>
               <a:rPr lang="de-DE" sz="1400" dirty="0" err="1"/>
               <a:t>Attacks</a:t>
@@ -6936,42 +5885,12 @@
           </a:p>
         </p:txBody>
       </p:sp>
-    </p:spTree>
-    <p:extLst>
-      <p:ext uri="{BB962C8B-B14F-4D97-AF65-F5344CB8AC3E}">
-        <p14:creationId xmlns:p14="http://schemas.microsoft.com/office/powerpoint/2010/main" val="3133732640"/>
-      </p:ext>
-    </p:extLst>
-  </p:cSld>
-  <p:clrMapOvr>
-    <a:masterClrMapping/>
-  </p:clrMapOvr>
-</p:sld>
-</file>
-
-<file path=ppt/slides/slide3.xml><?xml version="1.0" encoding="utf-8"?>
-<p:sld xmlns:a="http://schemas.openxmlformats.org/drawingml/2006/main" xmlns:r="http://schemas.openxmlformats.org/officeDocument/2006/relationships" xmlns:p="http://schemas.openxmlformats.org/presentationml/2006/main">
-  <p:cSld>
-    <p:spTree>
-      <p:nvGrpSpPr>
-        <p:cNvPr id="1" name=""/>
-        <p:cNvGrpSpPr/>
-        <p:nvPr/>
-      </p:nvGrpSpPr>
-      <p:grpSpPr>
-        <a:xfrm>
-          <a:off x="0" y="0"/>
-          <a:ext cx="0" cy="0"/>
-          <a:chOff x="0" y="0"/>
-          <a:chExt cx="0" cy="0"/>
-        </a:xfrm>
-      </p:grpSpPr>
-      <p:sp>
-        <p:nvSpPr>
-          <p:cNvPr id="4" name="Rechteck: abgerundete Ecken 3">
+      <p:sp>
+        <p:nvSpPr>
+          <p:cNvPr id="3" name="Rechteck: abgerundete Ecken 2">
             <a:extLst>
               <a:ext uri="{FF2B5EF4-FFF2-40B4-BE49-F238E27FC236}">
-                <a16:creationId xmlns:a16="http://schemas.microsoft.com/office/drawing/2014/main" id="{EA869AE8-70CF-53A6-3665-0337C6CBD6B3}"/>
+                <a16:creationId xmlns:a16="http://schemas.microsoft.com/office/drawing/2014/main" id="{4C428F7B-31A7-E0E3-0B76-63D955AF35EC}"/>
               </a:ext>
             </a:extLst>
           </p:cNvPr>
@@ -6980,133 +5899,7 @@
         </p:nvSpPr>
         <p:spPr>
           <a:xfrm>
-            <a:off x="247650" y="701040"/>
-            <a:ext cx="6362700" cy="4110990"/>
-          </a:xfrm>
-          <a:prstGeom prst="roundRect">
-            <a:avLst/>
-          </a:prstGeom>
-        </p:spPr>
-        <p:style>
-          <a:lnRef idx="2">
-            <a:schemeClr val="dk1"/>
-          </a:lnRef>
-          <a:fillRef idx="1">
-            <a:schemeClr val="lt1"/>
-          </a:fillRef>
-          <a:effectRef idx="0">
-            <a:schemeClr val="dk1"/>
-          </a:effectRef>
-          <a:fontRef idx="minor">
-            <a:schemeClr val="dk1"/>
-          </a:fontRef>
-        </p:style>
-        <p:txBody>
-          <a:bodyPr rtlCol="0" anchor="ctr"/>
-          <a:lstStyle/>
-          <a:p>
-            <a:pPr algn="ctr"/>
-            <a:r>
-              <a:rPr lang="de-DE" sz="1400" dirty="0"/>
-              <a:t>O Aggressiv</a:t>
-            </a:r>
-          </a:p>
-          <a:p>
-            <a:pPr algn="ctr"/>
-            <a:endParaRPr lang="de-DE" sz="1400" dirty="0"/>
-          </a:p>
-          <a:p>
-            <a:pPr algn="ctr"/>
-            <a:endParaRPr lang="de-DE" sz="1400" dirty="0"/>
-          </a:p>
-          <a:p>
-            <a:pPr algn="ctr"/>
-            <a:endParaRPr lang="de-DE" sz="1400" dirty="0"/>
-          </a:p>
-          <a:p>
-            <a:pPr algn="ctr"/>
-            <a:endParaRPr lang="de-DE" sz="1400" dirty="0"/>
-          </a:p>
-          <a:p>
-            <a:pPr algn="ctr"/>
-            <a:endParaRPr lang="de-DE" sz="1400" dirty="0"/>
-          </a:p>
-          <a:p>
-            <a:pPr algn="ctr"/>
-            <a:r>
-              <a:rPr lang="de-DE" sz="1400" dirty="0"/>
-              <a:t>O Ängstlich</a:t>
-            </a:r>
-          </a:p>
-          <a:p>
-            <a:pPr algn="ctr"/>
-            <a:endParaRPr lang="de-DE" sz="1400" dirty="0"/>
-          </a:p>
-          <a:p>
-            <a:pPr algn="ctr"/>
-            <a:endParaRPr lang="de-DE" sz="1400" dirty="0"/>
-          </a:p>
-          <a:p>
-            <a:pPr algn="ctr"/>
-            <a:endParaRPr lang="de-DE" sz="1400" dirty="0"/>
-          </a:p>
-          <a:p>
-            <a:pPr algn="ctr"/>
-            <a:endParaRPr lang="de-DE" sz="1400" dirty="0"/>
-          </a:p>
-          <a:p>
-            <a:pPr algn="ctr"/>
-            <a:endParaRPr lang="de-DE" sz="1400" dirty="0"/>
-          </a:p>
-          <a:p>
-            <a:pPr algn="ctr"/>
-            <a:endParaRPr lang="de-DE" sz="1400" dirty="0"/>
-          </a:p>
-          <a:p>
-            <a:pPr algn="ctr"/>
-            <a:endParaRPr lang="de-DE" sz="1400" dirty="0"/>
-          </a:p>
-          <a:p>
-            <a:pPr algn="ctr"/>
-            <a:endParaRPr lang="de-DE" sz="1400" dirty="0"/>
-          </a:p>
-          <a:p>
-            <a:pPr algn="ctr"/>
-            <a:endParaRPr lang="de-DE" sz="1400" dirty="0"/>
-          </a:p>
-          <a:p>
-            <a:pPr algn="ctr"/>
-            <a:endParaRPr lang="de-DE" sz="1400" dirty="0"/>
-          </a:p>
-          <a:p>
-            <a:pPr algn="ctr"/>
-            <a:endParaRPr lang="de-DE" sz="1400" dirty="0"/>
-          </a:p>
-          <a:p>
-            <a:pPr algn="ctr"/>
-            <a:r>
-              <a:rPr lang="de-DE" sz="1400" dirty="0" err="1"/>
-              <a:t>Adrenallin</a:t>
-            </a:r>
-            <a:endParaRPr lang="de-DE" sz="1400" dirty="0"/>
-          </a:p>
-        </p:txBody>
-      </p:sp>
-      <p:sp>
-        <p:nvSpPr>
-          <p:cNvPr id="6" name="Rechteck: abgerundete Ecken 5">
-            <a:extLst>
-              <a:ext uri="{FF2B5EF4-FFF2-40B4-BE49-F238E27FC236}">
-                <a16:creationId xmlns:a16="http://schemas.microsoft.com/office/drawing/2014/main" id="{83BFF5B9-F3F5-2832-8E81-2D0A9D873D6B}"/>
-              </a:ext>
-            </a:extLst>
-          </p:cNvPr>
-          <p:cNvSpPr/>
-          <p:nvPr/>
-        </p:nvSpPr>
-        <p:spPr>
-          <a:xfrm>
-            <a:off x="247649" y="218488"/>
+            <a:off x="247649" y="7982907"/>
             <a:ext cx="6343653" cy="353012"/>
           </a:xfrm>
           <a:prstGeom prst="roundRect">
@@ -7139,12 +5932,224 @@
           </a:p>
         </p:txBody>
       </p:sp>
+      <p:sp>
+        <p:nvSpPr>
+          <p:cNvPr id="4" name="Rechteck: abgerundete Ecken 3">
+            <a:extLst>
+              <a:ext uri="{FF2B5EF4-FFF2-40B4-BE49-F238E27FC236}">
+                <a16:creationId xmlns:a16="http://schemas.microsoft.com/office/drawing/2014/main" id="{69C17F1B-5003-F10A-EC7B-8AFC9552287C}"/>
+              </a:ext>
+            </a:extLst>
+          </p:cNvPr>
+          <p:cNvSpPr/>
+          <p:nvPr/>
+        </p:nvSpPr>
+        <p:spPr>
+          <a:xfrm>
+            <a:off x="247650" y="8510866"/>
+            <a:ext cx="2613657" cy="1037590"/>
+          </a:xfrm>
+          <a:prstGeom prst="roundRect">
+            <a:avLst/>
+          </a:prstGeom>
+        </p:spPr>
+        <p:style>
+          <a:lnRef idx="2">
+            <a:schemeClr val="dk1"/>
+          </a:lnRef>
+          <a:fillRef idx="1">
+            <a:schemeClr val="lt1"/>
+          </a:fillRef>
+          <a:effectRef idx="0">
+            <a:schemeClr val="dk1"/>
+          </a:effectRef>
+          <a:fontRef idx="minor">
+            <a:schemeClr val="dk1"/>
+          </a:fontRef>
+        </p:style>
+        <p:txBody>
+          <a:bodyPr rtlCol="0" anchor="ctr"/>
+          <a:lstStyle/>
+          <a:p>
+            <a:pPr algn="ctr"/>
+            <a:r>
+              <a:rPr lang="de-DE" sz="1400" dirty="0"/>
+              <a:t>O Aggressiv</a:t>
+            </a:r>
+          </a:p>
+          <a:p>
+            <a:pPr algn="ctr"/>
+            <a:r>
+              <a:rPr lang="de-DE" sz="1400" dirty="0"/>
+              <a:t>O Ängstlich</a:t>
+            </a:r>
+          </a:p>
+          <a:p>
+            <a:pPr algn="ctr"/>
+            <a:endParaRPr lang="de-DE" sz="1400" dirty="0"/>
+          </a:p>
+          <a:p>
+            <a:pPr algn="ctr"/>
+            <a:r>
+              <a:rPr lang="de-DE" sz="1400" dirty="0" err="1"/>
+              <a:t>Adrenallin</a:t>
+            </a:r>
+            <a:endParaRPr lang="de-DE" sz="1400" dirty="0"/>
+          </a:p>
+        </p:txBody>
+      </p:sp>
+      <p:sp>
+        <p:nvSpPr>
+          <p:cNvPr id="5" name="Rechteck: abgerundete Ecken 4">
+            <a:extLst>
+              <a:ext uri="{FF2B5EF4-FFF2-40B4-BE49-F238E27FC236}">
+                <a16:creationId xmlns:a16="http://schemas.microsoft.com/office/drawing/2014/main" id="{FE6AB2E5-07E7-295C-1432-BBB9C29D81C0}"/>
+              </a:ext>
+            </a:extLst>
+          </p:cNvPr>
+          <p:cNvSpPr/>
+          <p:nvPr/>
+        </p:nvSpPr>
+        <p:spPr>
+          <a:xfrm>
+            <a:off x="2993386" y="8510866"/>
+            <a:ext cx="1969773" cy="1037590"/>
+          </a:xfrm>
+          <a:prstGeom prst="roundRect">
+            <a:avLst/>
+          </a:prstGeom>
+        </p:spPr>
+        <p:style>
+          <a:lnRef idx="2">
+            <a:schemeClr val="dk1"/>
+          </a:lnRef>
+          <a:fillRef idx="1">
+            <a:schemeClr val="lt1"/>
+          </a:fillRef>
+          <a:effectRef idx="0">
+            <a:schemeClr val="dk1"/>
+          </a:effectRef>
+          <a:fontRef idx="minor">
+            <a:schemeClr val="dk1"/>
+          </a:fontRef>
+        </p:style>
+        <p:txBody>
+          <a:bodyPr rtlCol="0" anchor="ctr"/>
+          <a:lstStyle/>
+          <a:p>
+            <a:pPr algn="ctr"/>
+            <a:r>
+              <a:rPr lang="de-DE" sz="1400" dirty="0"/>
+              <a:t>Rage O </a:t>
+            </a:r>
+            <a:r>
+              <a:rPr lang="de-DE" sz="1400" dirty="0" err="1"/>
+              <a:t>O</a:t>
+            </a:r>
+            <a:r>
+              <a:rPr lang="de-DE" sz="1400" dirty="0"/>
+              <a:t> </a:t>
+            </a:r>
+            <a:r>
+              <a:rPr lang="de-DE" sz="1400" dirty="0" err="1"/>
+              <a:t>O</a:t>
+            </a:r>
+            <a:endParaRPr lang="de-DE" sz="1400" dirty="0"/>
+          </a:p>
+          <a:p>
+            <a:pPr algn="ctr"/>
+            <a:r>
+              <a:rPr lang="de-DE" sz="1400" dirty="0"/>
+              <a:t>Fear O </a:t>
+            </a:r>
+            <a:r>
+              <a:rPr lang="de-DE" sz="1400" dirty="0" err="1"/>
+              <a:t>O</a:t>
+            </a:r>
+            <a:r>
+              <a:rPr lang="de-DE" sz="1400" dirty="0"/>
+              <a:t> </a:t>
+            </a:r>
+            <a:r>
+              <a:rPr lang="de-DE" sz="1400" dirty="0" err="1"/>
+              <a:t>O</a:t>
+            </a:r>
+            <a:endParaRPr lang="de-DE" sz="1400" dirty="0"/>
+          </a:p>
+        </p:txBody>
+      </p:sp>
+      <p:sp>
+        <p:nvSpPr>
+          <p:cNvPr id="14" name="Rechteck: abgerundete Ecken 13">
+            <a:extLst>
+              <a:ext uri="{FF2B5EF4-FFF2-40B4-BE49-F238E27FC236}">
+                <a16:creationId xmlns:a16="http://schemas.microsoft.com/office/drawing/2014/main" id="{F0A37BC6-40C2-D6C0-7A33-184D23A99826}"/>
+              </a:ext>
+            </a:extLst>
+          </p:cNvPr>
+          <p:cNvSpPr/>
+          <p:nvPr/>
+        </p:nvSpPr>
+        <p:spPr>
+          <a:xfrm>
+            <a:off x="5090160" y="8510866"/>
+            <a:ext cx="1501142" cy="1037590"/>
+          </a:xfrm>
+          <a:prstGeom prst="roundRect">
+            <a:avLst/>
+          </a:prstGeom>
+        </p:spPr>
+        <p:style>
+          <a:lnRef idx="2">
+            <a:schemeClr val="dk1"/>
+          </a:lnRef>
+          <a:fillRef idx="1">
+            <a:schemeClr val="lt1"/>
+          </a:fillRef>
+          <a:effectRef idx="0">
+            <a:schemeClr val="dk1"/>
+          </a:effectRef>
+          <a:fontRef idx="minor">
+            <a:schemeClr val="dk1"/>
+          </a:fontRef>
+        </p:style>
+        <p:txBody>
+          <a:bodyPr rtlCol="0" anchor="ctr"/>
+          <a:lstStyle/>
+          <a:p>
+            <a:pPr algn="ctr"/>
+            <a:endParaRPr lang="de-DE" sz="1400" dirty="0"/>
+          </a:p>
+          <a:p>
+            <a:pPr algn="ctr"/>
+            <a:endParaRPr lang="de-DE" sz="1400" dirty="0"/>
+          </a:p>
+          <a:p>
+            <a:pPr algn="ctr"/>
+            <a:r>
+              <a:rPr lang="de-DE" sz="1400" dirty="0"/>
+              <a:t>/</a:t>
+            </a:r>
+          </a:p>
+          <a:p>
+            <a:pPr algn="ctr"/>
+            <a:endParaRPr lang="de-DE" sz="1400" dirty="0"/>
+          </a:p>
+          <a:p>
+            <a:pPr algn="ctr"/>
+            <a:r>
+              <a:rPr lang="de-DE" sz="1400" dirty="0"/>
+              <a:t>Mental HP</a:t>
+            </a:r>
+          </a:p>
+        </p:txBody>
+      </p:sp>
       <p:graphicFrame>
         <p:nvGraphicFramePr>
-          <p:cNvPr id="9" name="Tabelle 9">
+          <p:cNvPr id="17" name="Tabelle 9">
             <a:extLst>
               <a:ext uri="{FF2B5EF4-FFF2-40B4-BE49-F238E27FC236}">
-                <a16:creationId xmlns:a16="http://schemas.microsoft.com/office/drawing/2014/main" id="{95531096-B7F9-A218-894D-C6BDA92A8450}"/>
+                <a16:creationId xmlns:a16="http://schemas.microsoft.com/office/drawing/2014/main" id="{EB12A4DE-DF24-9D9A-FC44-7EBBD317E852}"/>
               </a:ext>
             </a:extLst>
           </p:cNvPr>
@@ -7154,14 +6159,14 @@
           <p:nvPr>
             <p:extLst>
               <p:ext uri="{D42A27DB-BD31-4B8C-83A1-F6EECF244321}">
-                <p14:modId xmlns:p14="http://schemas.microsoft.com/office/powerpoint/2010/main" val="2289113435"/>
+                <p14:modId xmlns:p14="http://schemas.microsoft.com/office/powerpoint/2010/main" val="2712989551"/>
               </p:ext>
             </p:extLst>
           </p:nvPr>
         </p:nvGraphicFramePr>
         <p:xfrm>
-          <a:off x="609600" y="982980"/>
-          <a:ext cx="5638820" cy="152400"/>
+          <a:off x="5256531" y="9548456"/>
+          <a:ext cx="1168400" cy="181610"/>
         </p:xfrm>
         <a:graphic>
           <a:graphicData uri="http://schemas.openxmlformats.org/drawingml/2006/table">
@@ -7170,308 +6175,36 @@
                 <a:tableStyleId>{5940675A-B579-460E-94D1-54222C63F5DA}</a:tableStyleId>
               </a:tblPr>
               <a:tblGrid>
-                <a:gridCol w="281941">
+                <a:gridCol w="292100">
                   <a:extLst>
                     <a:ext uri="{9D8B030D-6E8A-4147-A177-3AD203B41FA5}">
                       <a16:colId xmlns:a16="http://schemas.microsoft.com/office/drawing/2014/main" val="3786199205"/>
                     </a:ext>
                   </a:extLst>
                 </a:gridCol>
-                <a:gridCol w="281941">
+                <a:gridCol w="292100">
                   <a:extLst>
                     <a:ext uri="{9D8B030D-6E8A-4147-A177-3AD203B41FA5}">
-                      <a16:colId xmlns:a16="http://schemas.microsoft.com/office/drawing/2014/main" val="3575804785"/>
+                      <a16:colId xmlns:a16="http://schemas.microsoft.com/office/drawing/2014/main" val="328620445"/>
                     </a:ext>
                   </a:extLst>
                 </a:gridCol>
-                <a:gridCol w="281941">
+                <a:gridCol w="292100">
                   <a:extLst>
                     <a:ext uri="{9D8B030D-6E8A-4147-A177-3AD203B41FA5}">
-                      <a16:colId xmlns:a16="http://schemas.microsoft.com/office/drawing/2014/main" val="1076406494"/>
+                      <a16:colId xmlns:a16="http://schemas.microsoft.com/office/drawing/2014/main" val="2438594621"/>
                     </a:ext>
                   </a:extLst>
                 </a:gridCol>
-                <a:gridCol w="281941">
+                <a:gridCol w="292100">
                   <a:extLst>
                     <a:ext uri="{9D8B030D-6E8A-4147-A177-3AD203B41FA5}">
-                      <a16:colId xmlns:a16="http://schemas.microsoft.com/office/drawing/2014/main" val="4049334880"/>
-                    </a:ext>
-                  </a:extLst>
-                </a:gridCol>
-                <a:gridCol w="281941">
-                  <a:extLst>
-                    <a:ext uri="{9D8B030D-6E8A-4147-A177-3AD203B41FA5}">
-                      <a16:colId xmlns:a16="http://schemas.microsoft.com/office/drawing/2014/main" val="3597188694"/>
-                    </a:ext>
-                  </a:extLst>
-                </a:gridCol>
-                <a:gridCol w="281941">
-                  <a:extLst>
-                    <a:ext uri="{9D8B030D-6E8A-4147-A177-3AD203B41FA5}">
-                      <a16:colId xmlns:a16="http://schemas.microsoft.com/office/drawing/2014/main" val="1095598480"/>
-                    </a:ext>
-                  </a:extLst>
-                </a:gridCol>
-                <a:gridCol w="281941">
-                  <a:extLst>
-                    <a:ext uri="{9D8B030D-6E8A-4147-A177-3AD203B41FA5}">
-                      <a16:colId xmlns:a16="http://schemas.microsoft.com/office/drawing/2014/main" val="153089552"/>
-                    </a:ext>
-                  </a:extLst>
-                </a:gridCol>
-                <a:gridCol w="281941">
-                  <a:extLst>
-                    <a:ext uri="{9D8B030D-6E8A-4147-A177-3AD203B41FA5}">
-                      <a16:colId xmlns:a16="http://schemas.microsoft.com/office/drawing/2014/main" val="990493184"/>
-                    </a:ext>
-                  </a:extLst>
-                </a:gridCol>
-                <a:gridCol w="281941">
-                  <a:extLst>
-                    <a:ext uri="{9D8B030D-6E8A-4147-A177-3AD203B41FA5}">
-                      <a16:colId xmlns:a16="http://schemas.microsoft.com/office/drawing/2014/main" val="1194271607"/>
-                    </a:ext>
-                  </a:extLst>
-                </a:gridCol>
-                <a:gridCol w="281941">
-                  <a:extLst>
-                    <a:ext uri="{9D8B030D-6E8A-4147-A177-3AD203B41FA5}">
-                      <a16:colId xmlns:a16="http://schemas.microsoft.com/office/drawing/2014/main" val="446655814"/>
-                    </a:ext>
-                  </a:extLst>
-                </a:gridCol>
-                <a:gridCol w="281941">
-                  <a:extLst>
-                    <a:ext uri="{9D8B030D-6E8A-4147-A177-3AD203B41FA5}">
-                      <a16:colId xmlns:a16="http://schemas.microsoft.com/office/drawing/2014/main" val="3712181381"/>
-                    </a:ext>
-                  </a:extLst>
-                </a:gridCol>
-                <a:gridCol w="281941">
-                  <a:extLst>
-                    <a:ext uri="{9D8B030D-6E8A-4147-A177-3AD203B41FA5}">
-                      <a16:colId xmlns:a16="http://schemas.microsoft.com/office/drawing/2014/main" val="733645138"/>
-                    </a:ext>
-                  </a:extLst>
-                </a:gridCol>
-                <a:gridCol w="281941">
-                  <a:extLst>
-                    <a:ext uri="{9D8B030D-6E8A-4147-A177-3AD203B41FA5}">
-                      <a16:colId xmlns:a16="http://schemas.microsoft.com/office/drawing/2014/main" val="804813728"/>
-                    </a:ext>
-                  </a:extLst>
-                </a:gridCol>
-                <a:gridCol w="281941">
-                  <a:extLst>
-                    <a:ext uri="{9D8B030D-6E8A-4147-A177-3AD203B41FA5}">
-                      <a16:colId xmlns:a16="http://schemas.microsoft.com/office/drawing/2014/main" val="2072692621"/>
-                    </a:ext>
-                  </a:extLst>
-                </a:gridCol>
-                <a:gridCol w="281941">
-                  <a:extLst>
-                    <a:ext uri="{9D8B030D-6E8A-4147-A177-3AD203B41FA5}">
-                      <a16:colId xmlns:a16="http://schemas.microsoft.com/office/drawing/2014/main" val="2855457644"/>
-                    </a:ext>
-                  </a:extLst>
-                </a:gridCol>
-                <a:gridCol w="281941">
-                  <a:extLst>
-                    <a:ext uri="{9D8B030D-6E8A-4147-A177-3AD203B41FA5}">
-                      <a16:colId xmlns:a16="http://schemas.microsoft.com/office/drawing/2014/main" val="3072622647"/>
-                    </a:ext>
-                  </a:extLst>
-                </a:gridCol>
-                <a:gridCol w="281941">
-                  <a:extLst>
-                    <a:ext uri="{9D8B030D-6E8A-4147-A177-3AD203B41FA5}">
-                      <a16:colId xmlns:a16="http://schemas.microsoft.com/office/drawing/2014/main" val="4166089931"/>
-                    </a:ext>
-                  </a:extLst>
-                </a:gridCol>
-                <a:gridCol w="281941">
-                  <a:extLst>
-                    <a:ext uri="{9D8B030D-6E8A-4147-A177-3AD203B41FA5}">
-                      <a16:colId xmlns:a16="http://schemas.microsoft.com/office/drawing/2014/main" val="1718013582"/>
-                    </a:ext>
-                  </a:extLst>
-                </a:gridCol>
-                <a:gridCol w="281941">
-                  <a:extLst>
-                    <a:ext uri="{9D8B030D-6E8A-4147-A177-3AD203B41FA5}">
-                      <a16:colId xmlns:a16="http://schemas.microsoft.com/office/drawing/2014/main" val="3788080076"/>
-                    </a:ext>
-                  </a:extLst>
-                </a:gridCol>
-                <a:gridCol w="281941">
-                  <a:extLst>
-                    <a:ext uri="{9D8B030D-6E8A-4147-A177-3AD203B41FA5}">
-                      <a16:colId xmlns:a16="http://schemas.microsoft.com/office/drawing/2014/main" val="4192485409"/>
+                      <a16:colId xmlns:a16="http://schemas.microsoft.com/office/drawing/2014/main" val="3321125433"/>
                     </a:ext>
                   </a:extLst>
                 </a:gridCol>
               </a:tblGrid>
-              <a:tr h="152400">
-                <a:tc>
-                  <a:txBody>
-                    <a:bodyPr/>
-                    <a:lstStyle/>
-                    <a:p>
-                      <a:endParaRPr lang="de-DE" sz="400" dirty="0"/>
-                    </a:p>
-                  </a:txBody>
-                  <a:tcPr/>
-                </a:tc>
-                <a:tc>
-                  <a:txBody>
-                    <a:bodyPr/>
-                    <a:lstStyle/>
-                    <a:p>
-                      <a:endParaRPr lang="de-DE" sz="400" dirty="0"/>
-                    </a:p>
-                  </a:txBody>
-                  <a:tcPr/>
-                </a:tc>
-                <a:tc>
-                  <a:txBody>
-                    <a:bodyPr/>
-                    <a:lstStyle/>
-                    <a:p>
-                      <a:endParaRPr lang="de-DE" sz="400" dirty="0"/>
-                    </a:p>
-                  </a:txBody>
-                  <a:tcPr/>
-                </a:tc>
-                <a:tc>
-                  <a:txBody>
-                    <a:bodyPr/>
-                    <a:lstStyle/>
-                    <a:p>
-                      <a:endParaRPr lang="de-DE" sz="400" dirty="0"/>
-                    </a:p>
-                  </a:txBody>
-                  <a:tcPr/>
-                </a:tc>
-                <a:tc>
-                  <a:txBody>
-                    <a:bodyPr/>
-                    <a:lstStyle/>
-                    <a:p>
-                      <a:endParaRPr lang="de-DE" sz="400" dirty="0"/>
-                    </a:p>
-                  </a:txBody>
-                  <a:tcPr/>
-                </a:tc>
-                <a:tc>
-                  <a:txBody>
-                    <a:bodyPr/>
-                    <a:lstStyle/>
-                    <a:p>
-                      <a:endParaRPr lang="de-DE" sz="400" dirty="0"/>
-                    </a:p>
-                  </a:txBody>
-                  <a:tcPr/>
-                </a:tc>
-                <a:tc>
-                  <a:txBody>
-                    <a:bodyPr/>
-                    <a:lstStyle/>
-                    <a:p>
-                      <a:endParaRPr lang="de-DE" sz="400" dirty="0"/>
-                    </a:p>
-                  </a:txBody>
-                  <a:tcPr/>
-                </a:tc>
-                <a:tc>
-                  <a:txBody>
-                    <a:bodyPr/>
-                    <a:lstStyle/>
-                    <a:p>
-                      <a:endParaRPr lang="de-DE" sz="400" dirty="0"/>
-                    </a:p>
-                  </a:txBody>
-                  <a:tcPr/>
-                </a:tc>
-                <a:tc>
-                  <a:txBody>
-                    <a:bodyPr/>
-                    <a:lstStyle/>
-                    <a:p>
-                      <a:endParaRPr lang="de-DE" sz="400" dirty="0"/>
-                    </a:p>
-                  </a:txBody>
-                  <a:tcPr/>
-                </a:tc>
-                <a:tc>
-                  <a:txBody>
-                    <a:bodyPr/>
-                    <a:lstStyle/>
-                    <a:p>
-                      <a:endParaRPr lang="de-DE" sz="400" dirty="0"/>
-                    </a:p>
-                  </a:txBody>
-                  <a:tcPr/>
-                </a:tc>
-                <a:tc>
-                  <a:txBody>
-                    <a:bodyPr/>
-                    <a:lstStyle/>
-                    <a:p>
-                      <a:endParaRPr lang="de-DE" sz="400" dirty="0"/>
-                    </a:p>
-                  </a:txBody>
-                  <a:tcPr/>
-                </a:tc>
-                <a:tc>
-                  <a:txBody>
-                    <a:bodyPr/>
-                    <a:lstStyle/>
-                    <a:p>
-                      <a:endParaRPr lang="de-DE" sz="400" dirty="0"/>
-                    </a:p>
-                  </a:txBody>
-                  <a:tcPr/>
-                </a:tc>
-                <a:tc>
-                  <a:txBody>
-                    <a:bodyPr/>
-                    <a:lstStyle/>
-                    <a:p>
-                      <a:endParaRPr lang="de-DE" sz="400" dirty="0"/>
-                    </a:p>
-                  </a:txBody>
-                  <a:tcPr/>
-                </a:tc>
-                <a:tc>
-                  <a:txBody>
-                    <a:bodyPr/>
-                    <a:lstStyle/>
-                    <a:p>
-                      <a:endParaRPr lang="de-DE" sz="400" dirty="0"/>
-                    </a:p>
-                  </a:txBody>
-                  <a:tcPr/>
-                </a:tc>
-                <a:tc>
-                  <a:txBody>
-                    <a:bodyPr/>
-                    <a:lstStyle/>
-                    <a:p>
-                      <a:endParaRPr lang="de-DE" sz="400" dirty="0"/>
-                    </a:p>
-                  </a:txBody>
-                  <a:tcPr/>
-                </a:tc>
-                <a:tc>
-                  <a:txBody>
-                    <a:bodyPr/>
-                    <a:lstStyle/>
-                    <a:p>
-                      <a:endParaRPr lang="de-DE" sz="400" dirty="0"/>
-                    </a:p>
-                  </a:txBody>
-                  <a:tcPr/>
-                </a:tc>
+              <a:tr h="181610">
                 <a:tc>
                   <a:txBody>
                     <a:bodyPr/>
@@ -7522,12 +6255,997 @@
           </a:graphicData>
         </a:graphic>
       </p:graphicFrame>
+      <p:sp>
+        <p:nvSpPr>
+          <p:cNvPr id="20" name="Rechteck: abgerundete Ecken 19">
+            <a:extLst>
+              <a:ext uri="{FF2B5EF4-FFF2-40B4-BE49-F238E27FC236}">
+                <a16:creationId xmlns:a16="http://schemas.microsoft.com/office/drawing/2014/main" id="{E9163E6F-1542-44DB-119B-A13347B0A65C}"/>
+              </a:ext>
+            </a:extLst>
+          </p:cNvPr>
+          <p:cNvSpPr/>
+          <p:nvPr/>
+        </p:nvSpPr>
+        <p:spPr>
+          <a:xfrm>
+            <a:off x="3134099" y="5931062"/>
+            <a:ext cx="3457202" cy="314695"/>
+          </a:xfrm>
+          <a:prstGeom prst="roundRect">
+            <a:avLst/>
+          </a:prstGeom>
+        </p:spPr>
+        <p:style>
+          <a:lnRef idx="2">
+            <a:schemeClr val="dk1"/>
+          </a:lnRef>
+          <a:fillRef idx="1">
+            <a:schemeClr val="lt1"/>
+          </a:fillRef>
+          <a:effectRef idx="0">
+            <a:schemeClr val="dk1"/>
+          </a:effectRef>
+          <a:fontRef idx="minor">
+            <a:schemeClr val="dk1"/>
+          </a:fontRef>
+        </p:style>
+        <p:txBody>
+          <a:bodyPr rtlCol="0" anchor="ctr"/>
+          <a:lstStyle/>
+          <a:p>
+            <a:pPr algn="ctr"/>
+            <a:r>
+              <a:rPr lang="de-DE" sz="2000" dirty="0"/>
+              <a:t>LEVELLING</a:t>
+            </a:r>
+          </a:p>
+        </p:txBody>
+      </p:sp>
+      <p:sp>
+        <p:nvSpPr>
+          <p:cNvPr id="21" name="Rechteck: abgerundete Ecken 20">
+            <a:extLst>
+              <a:ext uri="{FF2B5EF4-FFF2-40B4-BE49-F238E27FC236}">
+                <a16:creationId xmlns:a16="http://schemas.microsoft.com/office/drawing/2014/main" id="{6C1E513B-2FE9-64D5-E538-7BC9A08BD799}"/>
+              </a:ext>
+            </a:extLst>
+          </p:cNvPr>
+          <p:cNvSpPr/>
+          <p:nvPr/>
+        </p:nvSpPr>
+        <p:spPr>
+          <a:xfrm>
+            <a:off x="3132847" y="6333657"/>
+            <a:ext cx="3457202" cy="655320"/>
+          </a:xfrm>
+          <a:prstGeom prst="roundRect">
+            <a:avLst/>
+          </a:prstGeom>
+        </p:spPr>
+        <p:style>
+          <a:lnRef idx="2">
+            <a:schemeClr val="dk1"/>
+          </a:lnRef>
+          <a:fillRef idx="1">
+            <a:schemeClr val="lt1"/>
+          </a:fillRef>
+          <a:effectRef idx="0">
+            <a:schemeClr val="dk1"/>
+          </a:effectRef>
+          <a:fontRef idx="minor">
+            <a:schemeClr val="dk1"/>
+          </a:fontRef>
+        </p:style>
+        <p:txBody>
+          <a:bodyPr rtlCol="0" anchor="ctr"/>
+          <a:lstStyle/>
+          <a:p>
+            <a:pPr algn="ctr"/>
+            <a:endParaRPr lang="de-DE" sz="1400" dirty="0"/>
+          </a:p>
+          <a:p>
+            <a:pPr algn="ctr"/>
+            <a:r>
+              <a:rPr lang="de-DE" sz="1400" dirty="0"/>
+              <a:t>/</a:t>
+            </a:r>
+          </a:p>
+          <a:p>
+            <a:pPr algn="ctr"/>
+            <a:r>
+              <a:rPr lang="de-DE" sz="1400" dirty="0"/>
+              <a:t>Job </a:t>
+            </a:r>
+            <a:r>
+              <a:rPr lang="de-DE" sz="1400" dirty="0" err="1"/>
+              <a:t>Lvl</a:t>
+            </a:r>
+            <a:endParaRPr lang="de-DE" sz="1400" dirty="0"/>
+          </a:p>
+        </p:txBody>
+      </p:sp>
+      <p:sp>
+        <p:nvSpPr>
+          <p:cNvPr id="22" name="Rechteck: abgerundete Ecken 21">
+            <a:extLst>
+              <a:ext uri="{FF2B5EF4-FFF2-40B4-BE49-F238E27FC236}">
+                <a16:creationId xmlns:a16="http://schemas.microsoft.com/office/drawing/2014/main" id="{319C600B-D8A6-94F4-434A-91626C3FF5E9}"/>
+              </a:ext>
+            </a:extLst>
+          </p:cNvPr>
+          <p:cNvSpPr/>
+          <p:nvPr/>
+        </p:nvSpPr>
+        <p:spPr>
+          <a:xfrm>
+            <a:off x="3132847" y="7108517"/>
+            <a:ext cx="3428476" cy="655320"/>
+          </a:xfrm>
+          <a:prstGeom prst="roundRect">
+            <a:avLst/>
+          </a:prstGeom>
+        </p:spPr>
+        <p:style>
+          <a:lnRef idx="2">
+            <a:schemeClr val="dk1"/>
+          </a:lnRef>
+          <a:fillRef idx="1">
+            <a:schemeClr val="lt1"/>
+          </a:fillRef>
+          <a:effectRef idx="0">
+            <a:schemeClr val="dk1"/>
+          </a:effectRef>
+          <a:fontRef idx="minor">
+            <a:schemeClr val="dk1"/>
+          </a:fontRef>
+        </p:style>
+        <p:txBody>
+          <a:bodyPr rtlCol="0" anchor="ctr"/>
+          <a:lstStyle/>
+          <a:p>
+            <a:pPr algn="ctr"/>
+            <a:endParaRPr lang="de-DE" sz="1400" dirty="0"/>
+          </a:p>
+          <a:p>
+            <a:pPr algn="ctr"/>
+            <a:r>
+              <a:rPr lang="de-DE" sz="1400" dirty="0"/>
+              <a:t>/</a:t>
+            </a:r>
+          </a:p>
+          <a:p>
+            <a:pPr algn="ctr"/>
+            <a:r>
+              <a:rPr lang="de-DE" sz="1400" dirty="0"/>
+              <a:t>Magic </a:t>
+            </a:r>
+            <a:r>
+              <a:rPr lang="de-DE" sz="1400" dirty="0" err="1"/>
+              <a:t>Lvl</a:t>
+            </a:r>
+            <a:endParaRPr lang="de-DE" sz="1400" dirty="0"/>
+          </a:p>
+        </p:txBody>
+      </p:sp>
+      <p:sp>
+        <p:nvSpPr>
+          <p:cNvPr id="23" name="Rechteck: abgerundete Ecken 22">
+            <a:extLst>
+              <a:ext uri="{FF2B5EF4-FFF2-40B4-BE49-F238E27FC236}">
+                <a16:creationId xmlns:a16="http://schemas.microsoft.com/office/drawing/2014/main" id="{59C520FF-C473-D774-F8E7-4263E72B37F9}"/>
+              </a:ext>
+            </a:extLst>
+          </p:cNvPr>
+          <p:cNvSpPr/>
+          <p:nvPr/>
+        </p:nvSpPr>
+        <p:spPr>
+          <a:xfrm>
+            <a:off x="5232092" y="774487"/>
+            <a:ext cx="1087542" cy="1669206"/>
+          </a:xfrm>
+          <a:prstGeom prst="roundRect">
+            <a:avLst/>
+          </a:prstGeom>
+        </p:spPr>
+        <p:style>
+          <a:lnRef idx="2">
+            <a:schemeClr val="dk1"/>
+          </a:lnRef>
+          <a:fillRef idx="1">
+            <a:schemeClr val="lt1"/>
+          </a:fillRef>
+          <a:effectRef idx="0">
+            <a:schemeClr val="dk1"/>
+          </a:effectRef>
+          <a:fontRef idx="minor">
+            <a:schemeClr val="dk1"/>
+          </a:fontRef>
+        </p:style>
+        <p:txBody>
+          <a:bodyPr rtlCol="0" anchor="ctr"/>
+          <a:lstStyle/>
+          <a:p>
+            <a:pPr algn="ctr"/>
+            <a:endParaRPr lang="de-DE" sz="1400" dirty="0"/>
+          </a:p>
+          <a:p>
+            <a:pPr algn="ctr"/>
+            <a:endParaRPr lang="de-DE" sz="1400" dirty="0"/>
+          </a:p>
+          <a:p>
+            <a:pPr algn="ctr"/>
+            <a:endParaRPr lang="de-DE" sz="1400" dirty="0"/>
+          </a:p>
+          <a:p>
+            <a:pPr algn="ctr"/>
+            <a:endParaRPr lang="de-DE" sz="1400" dirty="0"/>
+          </a:p>
+          <a:p>
+            <a:pPr algn="ctr"/>
+            <a:endParaRPr lang="de-DE" sz="1400" dirty="0"/>
+          </a:p>
+          <a:p>
+            <a:pPr algn="ctr"/>
+            <a:endParaRPr lang="de-DE" sz="1400" dirty="0"/>
+          </a:p>
+          <a:p>
+            <a:pPr algn="ctr"/>
+            <a:endParaRPr lang="de-DE" sz="1400" dirty="0"/>
+          </a:p>
+          <a:p>
+            <a:pPr algn="ctr"/>
+            <a:r>
+              <a:rPr lang="de-DE" sz="1400" dirty="0"/>
+              <a:t>Size</a:t>
+            </a:r>
+          </a:p>
+        </p:txBody>
+      </p:sp>
+    </p:spTree>
+    <p:extLst>
+      <p:ext uri="{BB962C8B-B14F-4D97-AF65-F5344CB8AC3E}">
+        <p14:creationId xmlns:p14="http://schemas.microsoft.com/office/powerpoint/2010/main" val="3133732640"/>
+      </p:ext>
+    </p:extLst>
+  </p:cSld>
+  <p:clrMapOvr>
+    <a:masterClrMapping/>
+  </p:clrMapOvr>
+</p:sld>
+</file>
+
+<file path=ppt/slides/slide3.xml><?xml version="1.0" encoding="utf-8"?>
+<p:sld xmlns:a="http://schemas.openxmlformats.org/drawingml/2006/main" xmlns:r="http://schemas.openxmlformats.org/officeDocument/2006/relationships" xmlns:p="http://schemas.openxmlformats.org/presentationml/2006/main">
+  <p:cSld>
+    <p:spTree>
+      <p:nvGrpSpPr>
+        <p:cNvPr id="1" name=""/>
+        <p:cNvGrpSpPr/>
+        <p:nvPr/>
+      </p:nvGrpSpPr>
+      <p:grpSpPr>
+        <a:xfrm>
+          <a:off x="0" y="0"/>
+          <a:ext cx="0" cy="0"/>
+          <a:chOff x="0" y="0"/>
+          <a:chExt cx="0" cy="0"/>
+        </a:xfrm>
+      </p:grpSpPr>
+      <p:sp>
+        <p:nvSpPr>
+          <p:cNvPr id="4" name="Rechteck: abgerundete Ecken 3">
+            <a:extLst>
+              <a:ext uri="{FF2B5EF4-FFF2-40B4-BE49-F238E27FC236}">
+                <a16:creationId xmlns:a16="http://schemas.microsoft.com/office/drawing/2014/main" id="{69D05B5F-CFEF-07C2-8CF3-63D3F159965D}"/>
+              </a:ext>
+            </a:extLst>
+          </p:cNvPr>
+          <p:cNvSpPr/>
+          <p:nvPr/>
+        </p:nvSpPr>
+        <p:spPr>
+          <a:xfrm>
+            <a:off x="252223" y="282727"/>
+            <a:ext cx="6353553" cy="3421172"/>
+          </a:xfrm>
+          <a:prstGeom prst="roundRect">
+            <a:avLst/>
+          </a:prstGeom>
+        </p:spPr>
+        <p:style>
+          <a:lnRef idx="2">
+            <a:schemeClr val="dk1"/>
+          </a:lnRef>
+          <a:fillRef idx="1">
+            <a:schemeClr val="lt1"/>
+          </a:fillRef>
+          <a:effectRef idx="0">
+            <a:schemeClr val="dk1"/>
+          </a:effectRef>
+          <a:fontRef idx="minor">
+            <a:schemeClr val="dk1"/>
+          </a:fontRef>
+        </p:style>
+        <p:txBody>
+          <a:bodyPr rtlCol="0" anchor="ctr"/>
+          <a:lstStyle/>
+          <a:p>
+            <a:pPr algn="ctr"/>
+            <a:endParaRPr lang="de-DE" sz="1400" dirty="0"/>
+          </a:p>
+          <a:p>
+            <a:pPr algn="ctr"/>
+            <a:endParaRPr lang="de-DE" sz="1400" dirty="0"/>
+          </a:p>
+          <a:p>
+            <a:pPr algn="ctr"/>
+            <a:endParaRPr lang="de-DE" sz="1400" dirty="0"/>
+          </a:p>
+          <a:p>
+            <a:pPr algn="ctr"/>
+            <a:endParaRPr lang="de-DE" sz="1400" dirty="0"/>
+          </a:p>
+          <a:p>
+            <a:pPr algn="ctr"/>
+            <a:endParaRPr lang="de-DE" sz="1400" dirty="0"/>
+          </a:p>
+          <a:p>
+            <a:pPr algn="ctr"/>
+            <a:endParaRPr lang="de-DE" sz="1400" dirty="0"/>
+          </a:p>
+          <a:p>
+            <a:pPr algn="ctr"/>
+            <a:endParaRPr lang="de-DE" sz="1400" dirty="0"/>
+          </a:p>
+          <a:p>
+            <a:pPr algn="ctr"/>
+            <a:endParaRPr lang="de-DE" sz="1400" dirty="0"/>
+          </a:p>
+          <a:p>
+            <a:pPr algn="ctr"/>
+            <a:endParaRPr lang="de-DE" sz="1400" dirty="0"/>
+          </a:p>
+          <a:p>
+            <a:pPr algn="ctr"/>
+            <a:endParaRPr lang="de-DE" sz="1400" dirty="0"/>
+          </a:p>
+          <a:p>
+            <a:pPr algn="ctr"/>
+            <a:endParaRPr lang="de-DE" sz="1400" dirty="0"/>
+          </a:p>
+          <a:p>
+            <a:pPr algn="ctr"/>
+            <a:endParaRPr lang="de-DE" sz="1400" dirty="0"/>
+          </a:p>
+          <a:p>
+            <a:pPr algn="ctr"/>
+            <a:endParaRPr lang="de-DE" sz="1400" dirty="0"/>
+          </a:p>
+          <a:p>
+            <a:pPr algn="ctr"/>
+            <a:endParaRPr lang="de-DE" sz="1400" dirty="0"/>
+          </a:p>
+          <a:p>
+            <a:pPr algn="ctr"/>
+            <a:r>
+              <a:rPr lang="de-DE" sz="1400" dirty="0"/>
+              <a:t>Basic </a:t>
+            </a:r>
+            <a:r>
+              <a:rPr lang="de-DE" sz="1400" dirty="0" err="1"/>
+              <a:t>needs</a:t>
+            </a:r>
+            <a:endParaRPr lang="de-DE" sz="1400" dirty="0"/>
+          </a:p>
+        </p:txBody>
+      </p:sp>
+      <p:sp>
+        <p:nvSpPr>
+          <p:cNvPr id="5" name="Rechteck: abgerundete Ecken 4">
+            <a:extLst>
+              <a:ext uri="{FF2B5EF4-FFF2-40B4-BE49-F238E27FC236}">
+                <a16:creationId xmlns:a16="http://schemas.microsoft.com/office/drawing/2014/main" id="{86E8760E-AADE-2A38-582E-25DB957B066D}"/>
+              </a:ext>
+            </a:extLst>
+          </p:cNvPr>
+          <p:cNvSpPr/>
+          <p:nvPr/>
+        </p:nvSpPr>
+        <p:spPr>
+          <a:xfrm>
+            <a:off x="237748" y="4409954"/>
+            <a:ext cx="6353553" cy="5213318"/>
+          </a:xfrm>
+          <a:prstGeom prst="roundRect">
+            <a:avLst/>
+          </a:prstGeom>
+        </p:spPr>
+        <p:style>
+          <a:lnRef idx="2">
+            <a:schemeClr val="dk1"/>
+          </a:lnRef>
+          <a:fillRef idx="1">
+            <a:schemeClr val="lt1"/>
+          </a:fillRef>
+          <a:effectRef idx="0">
+            <a:schemeClr val="dk1"/>
+          </a:effectRef>
+          <a:fontRef idx="minor">
+            <a:schemeClr val="dk1"/>
+          </a:fontRef>
+        </p:style>
+        <p:txBody>
+          <a:bodyPr rtlCol="0" anchor="ctr"/>
+          <a:lstStyle/>
+          <a:p>
+            <a:pPr algn="ctr"/>
+            <a:r>
+              <a:rPr lang="de-DE" sz="1400" dirty="0"/>
+              <a:t>______________________________________________________________</a:t>
+            </a:r>
+          </a:p>
+          <a:p>
+            <a:pPr algn="ctr"/>
+            <a:endParaRPr lang="de-DE" sz="1400" dirty="0"/>
+          </a:p>
+          <a:p>
+            <a:pPr algn="ctr"/>
+            <a:r>
+              <a:rPr lang="de-DE" sz="1400" dirty="0"/>
+              <a:t>______________________________________________________________</a:t>
+            </a:r>
+          </a:p>
+          <a:p>
+            <a:pPr algn="ctr"/>
+            <a:endParaRPr lang="de-DE" sz="1400" dirty="0"/>
+          </a:p>
+          <a:p>
+            <a:pPr algn="ctr"/>
+            <a:r>
+              <a:rPr lang="de-DE" sz="1400" dirty="0"/>
+              <a:t>______________________________________________________________</a:t>
+            </a:r>
+          </a:p>
+          <a:p>
+            <a:pPr algn="ctr"/>
+            <a:endParaRPr lang="de-DE" sz="1400" dirty="0"/>
+          </a:p>
+          <a:p>
+            <a:pPr algn="ctr"/>
+            <a:r>
+              <a:rPr lang="de-DE" sz="1400" dirty="0"/>
+              <a:t>______________________________________________________________</a:t>
+            </a:r>
+          </a:p>
+          <a:p>
+            <a:pPr algn="ctr"/>
+            <a:endParaRPr lang="de-DE" sz="1400" dirty="0"/>
+          </a:p>
+          <a:p>
+            <a:pPr algn="ctr"/>
+            <a:r>
+              <a:rPr lang="de-DE" sz="1400" dirty="0"/>
+              <a:t>______________________________________________________________</a:t>
+            </a:r>
+          </a:p>
+          <a:p>
+            <a:pPr algn="ctr"/>
+            <a:endParaRPr lang="de-DE" sz="1400" dirty="0"/>
+          </a:p>
+          <a:p>
+            <a:pPr algn="ctr"/>
+            <a:r>
+              <a:rPr lang="de-DE" sz="1400" dirty="0"/>
+              <a:t>______________________________________________________________</a:t>
+            </a:r>
+          </a:p>
+          <a:p>
+            <a:pPr algn="ctr"/>
+            <a:endParaRPr lang="de-DE" sz="1400" dirty="0"/>
+          </a:p>
+          <a:p>
+            <a:pPr algn="ctr"/>
+            <a:r>
+              <a:rPr lang="de-DE" sz="1400" dirty="0"/>
+              <a:t>______________________________________________________________</a:t>
+            </a:r>
+          </a:p>
+          <a:p>
+            <a:pPr algn="ctr"/>
+            <a:endParaRPr lang="de-DE" sz="1400" dirty="0"/>
+          </a:p>
+          <a:p>
+            <a:pPr algn="ctr"/>
+            <a:r>
+              <a:rPr lang="de-DE" sz="1400" dirty="0"/>
+              <a:t>______________________________________________________________</a:t>
+            </a:r>
+          </a:p>
+          <a:p>
+            <a:pPr algn="ctr"/>
+            <a:endParaRPr lang="de-DE" sz="1400" dirty="0"/>
+          </a:p>
+          <a:p>
+            <a:pPr algn="ctr"/>
+            <a:r>
+              <a:rPr lang="de-DE" sz="1400" dirty="0"/>
+              <a:t>______________________________________________________________</a:t>
+            </a:r>
+          </a:p>
+          <a:p>
+            <a:pPr algn="ctr"/>
+            <a:endParaRPr lang="de-DE" sz="1400" dirty="0"/>
+          </a:p>
+          <a:p>
+            <a:pPr algn="ctr"/>
+            <a:r>
+              <a:rPr lang="de-DE" sz="1400" dirty="0"/>
+              <a:t>______________________________________________________________</a:t>
+            </a:r>
+          </a:p>
+          <a:p>
+            <a:pPr algn="ctr"/>
+            <a:endParaRPr lang="de-DE" sz="1400" dirty="0"/>
+          </a:p>
+          <a:p>
+            <a:pPr algn="ctr"/>
+            <a:r>
+              <a:rPr lang="de-DE" sz="1400" dirty="0"/>
+              <a:t>______________________________________________________________</a:t>
+            </a:r>
+          </a:p>
+          <a:p>
+            <a:pPr algn="ctr"/>
+            <a:r>
+              <a:rPr lang="de-DE" sz="1400" dirty="0"/>
+              <a:t>Backstory</a:t>
+            </a:r>
+          </a:p>
+        </p:txBody>
+      </p:sp>
+      <p:sp>
+        <p:nvSpPr>
+          <p:cNvPr id="3" name="Rechteck: abgerundete Ecken 2">
+            <a:extLst>
+              <a:ext uri="{FF2B5EF4-FFF2-40B4-BE49-F238E27FC236}">
+                <a16:creationId xmlns:a16="http://schemas.microsoft.com/office/drawing/2014/main" id="{195067EB-D216-8CA2-B9F8-EB1A8A3F49B7}"/>
+              </a:ext>
+            </a:extLst>
+          </p:cNvPr>
+          <p:cNvSpPr/>
+          <p:nvPr/>
+        </p:nvSpPr>
+        <p:spPr>
+          <a:xfrm>
+            <a:off x="391160" y="416560"/>
+            <a:ext cx="2011680" cy="2916948"/>
+          </a:xfrm>
+          <a:prstGeom prst="roundRect">
+            <a:avLst/>
+          </a:prstGeom>
+        </p:spPr>
+        <p:style>
+          <a:lnRef idx="2">
+            <a:schemeClr val="dk1"/>
+          </a:lnRef>
+          <a:fillRef idx="1">
+            <a:schemeClr val="lt1"/>
+          </a:fillRef>
+          <a:effectRef idx="0">
+            <a:schemeClr val="dk1"/>
+          </a:effectRef>
+          <a:fontRef idx="minor">
+            <a:schemeClr val="dk1"/>
+          </a:fontRef>
+        </p:style>
+        <p:txBody>
+          <a:bodyPr rtlCol="0" anchor="ctr"/>
+          <a:lstStyle/>
+          <a:p>
+            <a:pPr algn="ctr"/>
+            <a:endParaRPr lang="de-DE" sz="1400" dirty="0"/>
+          </a:p>
+          <a:p>
+            <a:pPr algn="ctr"/>
+            <a:r>
+              <a:rPr lang="de-DE" sz="1400" dirty="0"/>
+              <a:t>__________________</a:t>
+            </a:r>
+          </a:p>
+          <a:p>
+            <a:pPr algn="ctr"/>
+            <a:endParaRPr lang="de-DE" sz="1400" dirty="0"/>
+          </a:p>
+          <a:p>
+            <a:pPr algn="ctr"/>
+            <a:r>
+              <a:rPr lang="de-DE" sz="1400" dirty="0"/>
+              <a:t>__________________</a:t>
+            </a:r>
+          </a:p>
+          <a:p>
+            <a:pPr algn="ctr"/>
+            <a:endParaRPr lang="de-DE" sz="1400" dirty="0"/>
+          </a:p>
+          <a:p>
+            <a:pPr algn="ctr"/>
+            <a:r>
+              <a:rPr lang="de-DE" sz="1400" dirty="0"/>
+              <a:t>__________________</a:t>
+            </a:r>
+          </a:p>
+          <a:p>
+            <a:pPr algn="ctr"/>
+            <a:endParaRPr lang="de-DE" sz="1400" dirty="0"/>
+          </a:p>
+          <a:p>
+            <a:pPr algn="ctr"/>
+            <a:r>
+              <a:rPr lang="de-DE" sz="1400" dirty="0"/>
+              <a:t>__________________</a:t>
+            </a:r>
+          </a:p>
+          <a:p>
+            <a:pPr algn="ctr"/>
+            <a:endParaRPr lang="de-DE" sz="1400" dirty="0"/>
+          </a:p>
+          <a:p>
+            <a:pPr algn="ctr"/>
+            <a:r>
+              <a:rPr lang="de-DE" sz="1400" dirty="0"/>
+              <a:t>__________________</a:t>
+            </a:r>
+          </a:p>
+          <a:p>
+            <a:pPr algn="ctr"/>
+            <a:endParaRPr lang="de-DE" sz="1400" dirty="0"/>
+          </a:p>
+          <a:p>
+            <a:pPr algn="ctr"/>
+            <a:r>
+              <a:rPr lang="de-DE" sz="1400" dirty="0"/>
+              <a:t>__________________</a:t>
+            </a:r>
+          </a:p>
+          <a:p>
+            <a:pPr algn="ctr"/>
+            <a:r>
+              <a:rPr lang="de-DE" sz="1200" dirty="0"/>
+              <a:t>Survival (</a:t>
+            </a:r>
+            <a:r>
+              <a:rPr lang="de-DE" sz="1200" dirty="0" err="1"/>
+              <a:t>money</a:t>
+            </a:r>
+            <a:r>
+              <a:rPr lang="de-DE" sz="1200" dirty="0"/>
+              <a:t>/</a:t>
+            </a:r>
+            <a:r>
+              <a:rPr lang="de-DE" sz="1200" dirty="0" err="1"/>
+              <a:t>food</a:t>
+            </a:r>
+            <a:r>
+              <a:rPr lang="de-DE" sz="1200" dirty="0"/>
+              <a:t>)</a:t>
+            </a:r>
+          </a:p>
+        </p:txBody>
+      </p:sp>
+      <p:sp>
+        <p:nvSpPr>
+          <p:cNvPr id="6" name="Rechteck: abgerundete Ecken 5">
+            <a:extLst>
+              <a:ext uri="{FF2B5EF4-FFF2-40B4-BE49-F238E27FC236}">
+                <a16:creationId xmlns:a16="http://schemas.microsoft.com/office/drawing/2014/main" id="{1A1F08F6-7D07-80BA-EAAE-46CA341AB731}"/>
+              </a:ext>
+            </a:extLst>
+          </p:cNvPr>
+          <p:cNvSpPr/>
+          <p:nvPr/>
+        </p:nvSpPr>
+        <p:spPr>
+          <a:xfrm>
+            <a:off x="2492628" y="416559"/>
+            <a:ext cx="2011680" cy="2916949"/>
+          </a:xfrm>
+          <a:prstGeom prst="roundRect">
+            <a:avLst/>
+          </a:prstGeom>
+        </p:spPr>
+        <p:style>
+          <a:lnRef idx="2">
+            <a:schemeClr val="dk1"/>
+          </a:lnRef>
+          <a:fillRef idx="1">
+            <a:schemeClr val="lt1"/>
+          </a:fillRef>
+          <a:effectRef idx="0">
+            <a:schemeClr val="dk1"/>
+          </a:effectRef>
+          <a:fontRef idx="minor">
+            <a:schemeClr val="dk1"/>
+          </a:fontRef>
+        </p:style>
+        <p:txBody>
+          <a:bodyPr rtlCol="0" anchor="ctr"/>
+          <a:lstStyle/>
+          <a:p>
+            <a:pPr algn="ctr"/>
+            <a:endParaRPr lang="de-DE" sz="1400" dirty="0"/>
+          </a:p>
+          <a:p>
+            <a:pPr algn="ctr"/>
+            <a:r>
+              <a:rPr lang="de-DE" sz="1400" dirty="0"/>
+              <a:t>__________________</a:t>
+            </a:r>
+          </a:p>
+          <a:p>
+            <a:pPr algn="ctr"/>
+            <a:endParaRPr lang="de-DE" sz="1400" dirty="0"/>
+          </a:p>
+          <a:p>
+            <a:pPr algn="ctr"/>
+            <a:r>
+              <a:rPr lang="de-DE" sz="1400" dirty="0"/>
+              <a:t>__________________</a:t>
+            </a:r>
+          </a:p>
+          <a:p>
+            <a:pPr algn="ctr"/>
+            <a:endParaRPr lang="de-DE" sz="1400" dirty="0"/>
+          </a:p>
+          <a:p>
+            <a:pPr algn="ctr"/>
+            <a:r>
+              <a:rPr lang="de-DE" sz="1400" dirty="0"/>
+              <a:t>__________________</a:t>
+            </a:r>
+          </a:p>
+          <a:p>
+            <a:pPr algn="ctr"/>
+            <a:endParaRPr lang="de-DE" sz="1400" dirty="0"/>
+          </a:p>
+          <a:p>
+            <a:pPr algn="ctr"/>
+            <a:r>
+              <a:rPr lang="de-DE" sz="1400" dirty="0"/>
+              <a:t>__________________</a:t>
+            </a:r>
+          </a:p>
+          <a:p>
+            <a:pPr algn="ctr"/>
+            <a:endParaRPr lang="de-DE" sz="1400" dirty="0"/>
+          </a:p>
+          <a:p>
+            <a:pPr algn="ctr"/>
+            <a:r>
+              <a:rPr lang="de-DE" sz="1400" dirty="0"/>
+              <a:t>__________________</a:t>
+            </a:r>
+          </a:p>
+          <a:p>
+            <a:pPr algn="ctr"/>
+            <a:endParaRPr lang="de-DE" sz="1400" dirty="0"/>
+          </a:p>
+          <a:p>
+            <a:pPr algn="ctr"/>
+            <a:r>
+              <a:rPr lang="de-DE" sz="1400" dirty="0"/>
+              <a:t>__________________</a:t>
+            </a:r>
+          </a:p>
+          <a:p>
+            <a:pPr algn="ctr"/>
+            <a:r>
+              <a:rPr lang="de-DE" sz="1200" dirty="0" err="1"/>
+              <a:t>Social</a:t>
+            </a:r>
+            <a:r>
+              <a:rPr lang="de-DE" sz="1200" dirty="0"/>
+              <a:t> </a:t>
+            </a:r>
+            <a:r>
+              <a:rPr lang="de-DE" sz="1200" dirty="0" err="1"/>
+              <a:t>needs</a:t>
+            </a:r>
+            <a:r>
+              <a:rPr lang="de-DE" sz="1200" dirty="0"/>
+              <a:t> (Acceptance)</a:t>
+            </a:r>
+          </a:p>
+        </p:txBody>
+      </p:sp>
+      <p:sp>
+        <p:nvSpPr>
+          <p:cNvPr id="7" name="Rechteck: abgerundete Ecken 6">
+            <a:extLst>
+              <a:ext uri="{FF2B5EF4-FFF2-40B4-BE49-F238E27FC236}">
+                <a16:creationId xmlns:a16="http://schemas.microsoft.com/office/drawing/2014/main" id="{ABF8F7EE-508F-43AE-43B2-9ADCF79DF739}"/>
+              </a:ext>
+            </a:extLst>
+          </p:cNvPr>
+          <p:cNvSpPr/>
+          <p:nvPr/>
+        </p:nvSpPr>
+        <p:spPr>
+          <a:xfrm>
+            <a:off x="4549202" y="416560"/>
+            <a:ext cx="2011680" cy="2916948"/>
+          </a:xfrm>
+          <a:prstGeom prst="roundRect">
+            <a:avLst/>
+          </a:prstGeom>
+        </p:spPr>
+        <p:style>
+          <a:lnRef idx="2">
+            <a:schemeClr val="dk1"/>
+          </a:lnRef>
+          <a:fillRef idx="1">
+            <a:schemeClr val="lt1"/>
+          </a:fillRef>
+          <a:effectRef idx="0">
+            <a:schemeClr val="dk1"/>
+          </a:effectRef>
+          <a:fontRef idx="minor">
+            <a:schemeClr val="dk1"/>
+          </a:fontRef>
+        </p:style>
+        <p:txBody>
+          <a:bodyPr rtlCol="0" anchor="ctr"/>
+          <a:lstStyle/>
+          <a:p>
+            <a:pPr algn="ctr"/>
+            <a:endParaRPr lang="de-DE" sz="1400" dirty="0"/>
+          </a:p>
+          <a:p>
+            <a:pPr algn="ctr"/>
+            <a:r>
+              <a:rPr lang="de-DE" sz="1400" dirty="0"/>
+              <a:t>__________________</a:t>
+            </a:r>
+          </a:p>
+          <a:p>
+            <a:pPr algn="ctr"/>
+            <a:endParaRPr lang="de-DE" sz="1400" dirty="0"/>
+          </a:p>
+          <a:p>
+            <a:pPr algn="ctr"/>
+            <a:r>
+              <a:rPr lang="de-DE" sz="1400" dirty="0"/>
+              <a:t>__________________</a:t>
+            </a:r>
+          </a:p>
+          <a:p>
+            <a:pPr algn="ctr"/>
+            <a:endParaRPr lang="de-DE" sz="1400" dirty="0"/>
+          </a:p>
+          <a:p>
+            <a:pPr algn="ctr"/>
+            <a:r>
+              <a:rPr lang="de-DE" sz="1400" dirty="0"/>
+              <a:t>__________________</a:t>
+            </a:r>
+          </a:p>
+          <a:p>
+            <a:pPr algn="ctr"/>
+            <a:endParaRPr lang="de-DE" sz="1400" dirty="0"/>
+          </a:p>
+          <a:p>
+            <a:pPr algn="ctr"/>
+            <a:r>
+              <a:rPr lang="de-DE" sz="1400" dirty="0"/>
+              <a:t>__________________</a:t>
+            </a:r>
+          </a:p>
+          <a:p>
+            <a:pPr algn="ctr"/>
+            <a:endParaRPr lang="de-DE" sz="1400" dirty="0"/>
+          </a:p>
+          <a:p>
+            <a:pPr algn="ctr"/>
+            <a:r>
+              <a:rPr lang="de-DE" sz="1400" dirty="0"/>
+              <a:t>__________________</a:t>
+            </a:r>
+          </a:p>
+          <a:p>
+            <a:pPr algn="ctr"/>
+            <a:endParaRPr lang="de-DE" sz="1400" dirty="0"/>
+          </a:p>
+          <a:p>
+            <a:pPr algn="ctr"/>
+            <a:r>
+              <a:rPr lang="de-DE" sz="1400" dirty="0"/>
+              <a:t>__________________</a:t>
+            </a:r>
+          </a:p>
+          <a:p>
+            <a:pPr algn="ctr"/>
+            <a:r>
+              <a:rPr lang="de-DE" sz="1200" dirty="0"/>
+              <a:t>Other </a:t>
+            </a:r>
+            <a:r>
+              <a:rPr lang="de-DE" sz="1200" dirty="0" err="1"/>
+              <a:t>stuff</a:t>
+            </a:r>
+            <a:r>
+              <a:rPr lang="de-DE" sz="1200" dirty="0"/>
+              <a:t> (</a:t>
+            </a:r>
+            <a:r>
+              <a:rPr lang="de-DE" sz="1200" dirty="0" err="1"/>
+              <a:t>superiority</a:t>
+            </a:r>
+            <a:r>
+              <a:rPr lang="de-DE" sz="1200" dirty="0"/>
+              <a:t>)</a:t>
+            </a:r>
+          </a:p>
+        </p:txBody>
+      </p:sp>
+      <p:sp>
+        <p:nvSpPr>
+          <p:cNvPr id="8" name="Rechteck: abgerundete Ecken 7">
+            <a:extLst>
+              <a:ext uri="{FF2B5EF4-FFF2-40B4-BE49-F238E27FC236}">
+                <a16:creationId xmlns:a16="http://schemas.microsoft.com/office/drawing/2014/main" id="{DDD148EA-4E0D-6424-50D2-13740C7C6FD3}"/>
+              </a:ext>
+            </a:extLst>
+          </p:cNvPr>
+          <p:cNvSpPr/>
+          <p:nvPr/>
+        </p:nvSpPr>
+        <p:spPr>
+          <a:xfrm>
+            <a:off x="252223" y="3789294"/>
+            <a:ext cx="6353553" cy="494513"/>
+          </a:xfrm>
+          <a:prstGeom prst="roundRect">
+            <a:avLst/>
+          </a:prstGeom>
+        </p:spPr>
+        <p:style>
+          <a:lnRef idx="2">
+            <a:schemeClr val="dk1"/>
+          </a:lnRef>
+          <a:fillRef idx="1">
+            <a:schemeClr val="lt1"/>
+          </a:fillRef>
+          <a:effectRef idx="0">
+            <a:schemeClr val="dk1"/>
+          </a:effectRef>
+          <a:fontRef idx="minor">
+            <a:schemeClr val="dk1"/>
+          </a:fontRef>
+        </p:style>
+        <p:txBody>
+          <a:bodyPr rtlCol="0" anchor="ctr"/>
+          <a:lstStyle/>
+          <a:p>
+            <a:pPr algn="ctr"/>
+            <a:endParaRPr lang="de-DE" sz="1400" dirty="0"/>
+          </a:p>
+          <a:p>
+            <a:pPr algn="ctr"/>
+            <a:r>
+              <a:rPr lang="de-DE" sz="1400" dirty="0" err="1"/>
+              <a:t>Empathy</a:t>
+            </a:r>
+            <a:endParaRPr lang="de-DE" sz="1400" dirty="0"/>
+          </a:p>
+        </p:txBody>
+      </p:sp>
       <p:graphicFrame>
         <p:nvGraphicFramePr>
-          <p:cNvPr id="10" name="Tabelle 9">
+          <p:cNvPr id="9" name="Tabelle 8">
             <a:extLst>
               <a:ext uri="{FF2B5EF4-FFF2-40B4-BE49-F238E27FC236}">
-                <a16:creationId xmlns:a16="http://schemas.microsoft.com/office/drawing/2014/main" id="{F1CC6974-0685-D725-21ED-8AF0902D96A0}"/>
+                <a16:creationId xmlns:a16="http://schemas.microsoft.com/office/drawing/2014/main" id="{D99EE3D4-F766-A0D3-93E5-3E52BA7A4207}"/>
               </a:ext>
             </a:extLst>
           </p:cNvPr>
@@ -7537,14 +7255,14 @@
           <p:nvPr>
             <p:extLst>
               <p:ext uri="{D42A27DB-BD31-4B8C-83A1-F6EECF244321}">
-                <p14:modId xmlns:p14="http://schemas.microsoft.com/office/powerpoint/2010/main" val="587439528"/>
+                <p14:modId xmlns:p14="http://schemas.microsoft.com/office/powerpoint/2010/main" val="1742177702"/>
               </p:ext>
             </p:extLst>
           </p:nvPr>
         </p:nvGraphicFramePr>
         <p:xfrm>
-          <a:off x="600065" y="2274570"/>
-          <a:ext cx="5638820" cy="152400"/>
+          <a:off x="1646304" y="3823190"/>
+          <a:ext cx="3536440" cy="213360"/>
         </p:xfrm>
         <a:graphic>
           <a:graphicData uri="http://schemas.openxmlformats.org/drawingml/2006/table">
@@ -7553,154 +7271,84 @@
                 <a:tableStyleId>{5940675A-B579-460E-94D1-54222C63F5DA}</a:tableStyleId>
               </a:tblPr>
               <a:tblGrid>
-                <a:gridCol w="281941">
+                <a:gridCol w="353644">
                   <a:extLst>
                     <a:ext uri="{9D8B030D-6E8A-4147-A177-3AD203B41FA5}">
-                      <a16:colId xmlns:a16="http://schemas.microsoft.com/office/drawing/2014/main" val="3786199205"/>
+                      <a16:colId xmlns:a16="http://schemas.microsoft.com/office/drawing/2014/main" val="770612556"/>
                     </a:ext>
                   </a:extLst>
                 </a:gridCol>
-                <a:gridCol w="281941">
+                <a:gridCol w="353644">
                   <a:extLst>
                     <a:ext uri="{9D8B030D-6E8A-4147-A177-3AD203B41FA5}">
-                      <a16:colId xmlns:a16="http://schemas.microsoft.com/office/drawing/2014/main" val="3575804785"/>
+                      <a16:colId xmlns:a16="http://schemas.microsoft.com/office/drawing/2014/main" val="1988245434"/>
                     </a:ext>
                   </a:extLst>
                 </a:gridCol>
-                <a:gridCol w="281941">
+                <a:gridCol w="353644">
                   <a:extLst>
                     <a:ext uri="{9D8B030D-6E8A-4147-A177-3AD203B41FA5}">
-                      <a16:colId xmlns:a16="http://schemas.microsoft.com/office/drawing/2014/main" val="1076406494"/>
+                      <a16:colId xmlns:a16="http://schemas.microsoft.com/office/drawing/2014/main" val="2088829805"/>
                     </a:ext>
                   </a:extLst>
                 </a:gridCol>
-                <a:gridCol w="281941">
+                <a:gridCol w="353644">
                   <a:extLst>
                     <a:ext uri="{9D8B030D-6E8A-4147-A177-3AD203B41FA5}">
-                      <a16:colId xmlns:a16="http://schemas.microsoft.com/office/drawing/2014/main" val="4049334880"/>
+                      <a16:colId xmlns:a16="http://schemas.microsoft.com/office/drawing/2014/main" val="791458341"/>
                     </a:ext>
                   </a:extLst>
                 </a:gridCol>
-                <a:gridCol w="281941">
+                <a:gridCol w="353644">
                   <a:extLst>
                     <a:ext uri="{9D8B030D-6E8A-4147-A177-3AD203B41FA5}">
-                      <a16:colId xmlns:a16="http://schemas.microsoft.com/office/drawing/2014/main" val="3597188694"/>
+                      <a16:colId xmlns:a16="http://schemas.microsoft.com/office/drawing/2014/main" val="1847861500"/>
                     </a:ext>
                   </a:extLst>
                 </a:gridCol>
-                <a:gridCol w="281941">
+                <a:gridCol w="353644">
                   <a:extLst>
                     <a:ext uri="{9D8B030D-6E8A-4147-A177-3AD203B41FA5}">
-                      <a16:colId xmlns:a16="http://schemas.microsoft.com/office/drawing/2014/main" val="1095598480"/>
+                      <a16:colId xmlns:a16="http://schemas.microsoft.com/office/drawing/2014/main" val="2329778811"/>
                     </a:ext>
                   </a:extLst>
                 </a:gridCol>
-                <a:gridCol w="281941">
+                <a:gridCol w="353644">
                   <a:extLst>
                     <a:ext uri="{9D8B030D-6E8A-4147-A177-3AD203B41FA5}">
-                      <a16:colId xmlns:a16="http://schemas.microsoft.com/office/drawing/2014/main" val="153089552"/>
+                      <a16:colId xmlns:a16="http://schemas.microsoft.com/office/drawing/2014/main" val="1773667764"/>
                     </a:ext>
                   </a:extLst>
                 </a:gridCol>
-                <a:gridCol w="281941">
+                <a:gridCol w="353644">
                   <a:extLst>
                     <a:ext uri="{9D8B030D-6E8A-4147-A177-3AD203B41FA5}">
-                      <a16:colId xmlns:a16="http://schemas.microsoft.com/office/drawing/2014/main" val="990493184"/>
+                      <a16:colId xmlns:a16="http://schemas.microsoft.com/office/drawing/2014/main" val="1181013534"/>
                     </a:ext>
                   </a:extLst>
                 </a:gridCol>
-                <a:gridCol w="281941">
+                <a:gridCol w="353644">
                   <a:extLst>
                     <a:ext uri="{9D8B030D-6E8A-4147-A177-3AD203B41FA5}">
-                      <a16:colId xmlns:a16="http://schemas.microsoft.com/office/drawing/2014/main" val="1194271607"/>
+                      <a16:colId xmlns:a16="http://schemas.microsoft.com/office/drawing/2014/main" val="344472183"/>
                     </a:ext>
                   </a:extLst>
                 </a:gridCol>
-                <a:gridCol w="281941">
+                <a:gridCol w="353644">
                   <a:extLst>
                     <a:ext uri="{9D8B030D-6E8A-4147-A177-3AD203B41FA5}">
-                      <a16:colId xmlns:a16="http://schemas.microsoft.com/office/drawing/2014/main" val="446655814"/>
-                    </a:ext>
-                  </a:extLst>
-                </a:gridCol>
-                <a:gridCol w="281941">
-                  <a:extLst>
-                    <a:ext uri="{9D8B030D-6E8A-4147-A177-3AD203B41FA5}">
-                      <a16:colId xmlns:a16="http://schemas.microsoft.com/office/drawing/2014/main" val="3712181381"/>
-                    </a:ext>
-                  </a:extLst>
-                </a:gridCol>
-                <a:gridCol w="281941">
-                  <a:extLst>
-                    <a:ext uri="{9D8B030D-6E8A-4147-A177-3AD203B41FA5}">
-                      <a16:colId xmlns:a16="http://schemas.microsoft.com/office/drawing/2014/main" val="733645138"/>
-                    </a:ext>
-                  </a:extLst>
-                </a:gridCol>
-                <a:gridCol w="281941">
-                  <a:extLst>
-                    <a:ext uri="{9D8B030D-6E8A-4147-A177-3AD203B41FA5}">
-                      <a16:colId xmlns:a16="http://schemas.microsoft.com/office/drawing/2014/main" val="804813728"/>
-                    </a:ext>
-                  </a:extLst>
-                </a:gridCol>
-                <a:gridCol w="281941">
-                  <a:extLst>
-                    <a:ext uri="{9D8B030D-6E8A-4147-A177-3AD203B41FA5}">
-                      <a16:colId xmlns:a16="http://schemas.microsoft.com/office/drawing/2014/main" val="2072692621"/>
-                    </a:ext>
-                  </a:extLst>
-                </a:gridCol>
-                <a:gridCol w="281941">
-                  <a:extLst>
-                    <a:ext uri="{9D8B030D-6E8A-4147-A177-3AD203B41FA5}">
-                      <a16:colId xmlns:a16="http://schemas.microsoft.com/office/drawing/2014/main" val="2855457644"/>
-                    </a:ext>
-                  </a:extLst>
-                </a:gridCol>
-                <a:gridCol w="281941">
-                  <a:extLst>
-                    <a:ext uri="{9D8B030D-6E8A-4147-A177-3AD203B41FA5}">
-                      <a16:colId xmlns:a16="http://schemas.microsoft.com/office/drawing/2014/main" val="3072622647"/>
-                    </a:ext>
-                  </a:extLst>
-                </a:gridCol>
-                <a:gridCol w="281941">
-                  <a:extLst>
-                    <a:ext uri="{9D8B030D-6E8A-4147-A177-3AD203B41FA5}">
-                      <a16:colId xmlns:a16="http://schemas.microsoft.com/office/drawing/2014/main" val="4166089931"/>
-                    </a:ext>
-                  </a:extLst>
-                </a:gridCol>
-                <a:gridCol w="281941">
-                  <a:extLst>
-                    <a:ext uri="{9D8B030D-6E8A-4147-A177-3AD203B41FA5}">
-                      <a16:colId xmlns:a16="http://schemas.microsoft.com/office/drawing/2014/main" val="1718013582"/>
-                    </a:ext>
-                  </a:extLst>
-                </a:gridCol>
-                <a:gridCol w="281941">
-                  <a:extLst>
-                    <a:ext uri="{9D8B030D-6E8A-4147-A177-3AD203B41FA5}">
-                      <a16:colId xmlns:a16="http://schemas.microsoft.com/office/drawing/2014/main" val="3788080076"/>
-                    </a:ext>
-                  </a:extLst>
-                </a:gridCol>
-                <a:gridCol w="281941">
-                  <a:extLst>
-                    <a:ext uri="{9D8B030D-6E8A-4147-A177-3AD203B41FA5}">
-                      <a16:colId xmlns:a16="http://schemas.microsoft.com/office/drawing/2014/main" val="4192485409"/>
+                      <a16:colId xmlns:a16="http://schemas.microsoft.com/office/drawing/2014/main" val="1784305044"/>
                     </a:ext>
                   </a:extLst>
                 </a:gridCol>
               </a:tblGrid>
-              <a:tr h="152400">
+              <a:tr h="0">
                 <a:tc>
                   <a:txBody>
                     <a:bodyPr/>
                     <a:lstStyle/>
                     <a:p>
-                      <a:endParaRPr lang="de-DE" sz="400" dirty="0"/>
+                      <a:endParaRPr lang="de-DE" sz="800" dirty="0"/>
                     </a:p>
                   </a:txBody>
                   <a:tcPr/>
@@ -7710,7 +7358,7 @@
                     <a:bodyPr/>
                     <a:lstStyle/>
                     <a:p>
-                      <a:endParaRPr lang="de-DE" sz="400" dirty="0"/>
+                      <a:endParaRPr lang="de-DE" sz="800" dirty="0"/>
                     </a:p>
                   </a:txBody>
                   <a:tcPr/>
@@ -7720,7 +7368,7 @@
                     <a:bodyPr/>
                     <a:lstStyle/>
                     <a:p>
-                      <a:endParaRPr lang="de-DE" sz="400" dirty="0"/>
+                      <a:endParaRPr lang="de-DE" sz="800" dirty="0"/>
                     </a:p>
                   </a:txBody>
                   <a:tcPr/>
@@ -7730,7 +7378,7 @@
                     <a:bodyPr/>
                     <a:lstStyle/>
                     <a:p>
-                      <a:endParaRPr lang="de-DE" sz="400" dirty="0"/>
+                      <a:endParaRPr lang="de-DE" sz="800" dirty="0"/>
                     </a:p>
                   </a:txBody>
                   <a:tcPr/>
@@ -7740,7 +7388,7 @@
                     <a:bodyPr/>
                     <a:lstStyle/>
                     <a:p>
-                      <a:endParaRPr lang="de-DE" sz="400" dirty="0"/>
+                      <a:endParaRPr lang="de-DE" sz="800" dirty="0"/>
                     </a:p>
                   </a:txBody>
                   <a:tcPr/>
@@ -7750,7 +7398,7 @@
                     <a:bodyPr/>
                     <a:lstStyle/>
                     <a:p>
-                      <a:endParaRPr lang="de-DE" sz="400" dirty="0"/>
+                      <a:endParaRPr lang="de-DE" sz="800" dirty="0"/>
                     </a:p>
                   </a:txBody>
                   <a:tcPr/>
@@ -7760,7 +7408,7 @@
                     <a:bodyPr/>
                     <a:lstStyle/>
                     <a:p>
-                      <a:endParaRPr lang="de-DE" sz="400" dirty="0"/>
+                      <a:endParaRPr lang="de-DE" sz="800" dirty="0"/>
                     </a:p>
                   </a:txBody>
                   <a:tcPr/>
@@ -7770,7 +7418,7 @@
                     <a:bodyPr/>
                     <a:lstStyle/>
                     <a:p>
-                      <a:endParaRPr lang="de-DE" sz="400" dirty="0"/>
+                      <a:endParaRPr lang="de-DE" sz="800" dirty="0"/>
                     </a:p>
                   </a:txBody>
                   <a:tcPr/>
@@ -7780,7 +7428,7 @@
                     <a:bodyPr/>
                     <a:lstStyle/>
                     <a:p>
-                      <a:endParaRPr lang="de-DE" sz="400" dirty="0"/>
+                      <a:endParaRPr lang="de-DE" sz="800" dirty="0"/>
                     </a:p>
                   </a:txBody>
                   <a:tcPr/>
@@ -7790,114 +7438,14 @@
                     <a:bodyPr/>
                     <a:lstStyle/>
                     <a:p>
-                      <a:endParaRPr lang="de-DE" sz="400" dirty="0"/>
-                    </a:p>
-                  </a:txBody>
-                  <a:tcPr/>
-                </a:tc>
-                <a:tc>
-                  <a:txBody>
-                    <a:bodyPr/>
-                    <a:lstStyle/>
-                    <a:p>
-                      <a:endParaRPr lang="de-DE" sz="400" dirty="0"/>
-                    </a:p>
-                  </a:txBody>
-                  <a:tcPr/>
-                </a:tc>
-                <a:tc>
-                  <a:txBody>
-                    <a:bodyPr/>
-                    <a:lstStyle/>
-                    <a:p>
-                      <a:endParaRPr lang="de-DE" sz="400" dirty="0"/>
-                    </a:p>
-                  </a:txBody>
-                  <a:tcPr/>
-                </a:tc>
-                <a:tc>
-                  <a:txBody>
-                    <a:bodyPr/>
-                    <a:lstStyle/>
-                    <a:p>
-                      <a:endParaRPr lang="de-DE" sz="400" dirty="0"/>
-                    </a:p>
-                  </a:txBody>
-                  <a:tcPr/>
-                </a:tc>
-                <a:tc>
-                  <a:txBody>
-                    <a:bodyPr/>
-                    <a:lstStyle/>
-                    <a:p>
-                      <a:endParaRPr lang="de-DE" sz="400" dirty="0"/>
-                    </a:p>
-                  </a:txBody>
-                  <a:tcPr/>
-                </a:tc>
-                <a:tc>
-                  <a:txBody>
-                    <a:bodyPr/>
-                    <a:lstStyle/>
-                    <a:p>
-                      <a:endParaRPr lang="de-DE" sz="400" dirty="0"/>
-                    </a:p>
-                  </a:txBody>
-                  <a:tcPr/>
-                </a:tc>
-                <a:tc>
-                  <a:txBody>
-                    <a:bodyPr/>
-                    <a:lstStyle/>
-                    <a:p>
-                      <a:endParaRPr lang="de-DE" sz="400" dirty="0"/>
-                    </a:p>
-                  </a:txBody>
-                  <a:tcPr/>
-                </a:tc>
-                <a:tc>
-                  <a:txBody>
-                    <a:bodyPr/>
-                    <a:lstStyle/>
-                    <a:p>
-                      <a:endParaRPr lang="de-DE" sz="400" dirty="0"/>
-                    </a:p>
-                  </a:txBody>
-                  <a:tcPr/>
-                </a:tc>
-                <a:tc>
-                  <a:txBody>
-                    <a:bodyPr/>
-                    <a:lstStyle/>
-                    <a:p>
-                      <a:endParaRPr lang="de-DE" sz="400" dirty="0"/>
-                    </a:p>
-                  </a:txBody>
-                  <a:tcPr/>
-                </a:tc>
-                <a:tc>
-                  <a:txBody>
-                    <a:bodyPr/>
-                    <a:lstStyle/>
-                    <a:p>
-                      <a:endParaRPr lang="de-DE" sz="400" dirty="0"/>
-                    </a:p>
-                  </a:txBody>
-                  <a:tcPr/>
-                </a:tc>
-                <a:tc>
-                  <a:txBody>
-                    <a:bodyPr/>
-                    <a:lstStyle/>
-                    <a:p>
-                      <a:endParaRPr lang="de-DE" sz="400" dirty="0"/>
+                      <a:endParaRPr lang="de-DE" sz="800" dirty="0"/>
                     </a:p>
                   </a:txBody>
                   <a:tcPr/>
                 </a:tc>
                 <a:extLst>
                   <a:ext uri="{0D108BD9-81ED-4DB2-BD59-A6C34878D82A}">
-                    <a16:rowId xmlns:a16="http://schemas.microsoft.com/office/drawing/2014/main" val="2407009538"/>
+                    <a16:rowId xmlns:a16="http://schemas.microsoft.com/office/drawing/2014/main" val="1405350950"/>
                   </a:ext>
                 </a:extLst>
               </a:tr>
@@ -7905,838 +7453,10 @@
           </a:graphicData>
         </a:graphic>
       </p:graphicFrame>
-      <p:sp>
-        <p:nvSpPr>
-          <p:cNvPr id="11" name="Rechteck: abgerundete Ecken 10">
-            <a:extLst>
-              <a:ext uri="{FF2B5EF4-FFF2-40B4-BE49-F238E27FC236}">
-                <a16:creationId xmlns:a16="http://schemas.microsoft.com/office/drawing/2014/main" id="{660C523D-2A4A-2764-C006-832BB602A181}"/>
-              </a:ext>
-            </a:extLst>
-          </p:cNvPr>
-          <p:cNvSpPr/>
-          <p:nvPr/>
-        </p:nvSpPr>
-        <p:spPr>
-          <a:xfrm>
-            <a:off x="2861307" y="6168390"/>
-            <a:ext cx="1154430" cy="655320"/>
-          </a:xfrm>
-          <a:prstGeom prst="roundRect">
-            <a:avLst/>
-          </a:prstGeom>
-        </p:spPr>
-        <p:style>
-          <a:lnRef idx="2">
-            <a:schemeClr val="dk1"/>
-          </a:lnRef>
-          <a:fillRef idx="1">
-            <a:schemeClr val="lt1"/>
-          </a:fillRef>
-          <a:effectRef idx="0">
-            <a:schemeClr val="dk1"/>
-          </a:effectRef>
-          <a:fontRef idx="minor">
-            <a:schemeClr val="dk1"/>
-          </a:fontRef>
-        </p:style>
-        <p:txBody>
-          <a:bodyPr rtlCol="0" anchor="ctr"/>
-          <a:lstStyle/>
-          <a:p>
-            <a:pPr algn="ctr"/>
-            <a:r>
-              <a:rPr lang="de-DE" sz="1400" dirty="0"/>
-              <a:t>Rage O </a:t>
-            </a:r>
-            <a:r>
-              <a:rPr lang="de-DE" sz="1400" dirty="0" err="1"/>
-              <a:t>O</a:t>
-            </a:r>
-            <a:r>
-              <a:rPr lang="de-DE" sz="1400" dirty="0"/>
-              <a:t> </a:t>
-            </a:r>
-            <a:r>
-              <a:rPr lang="de-DE" sz="1400" dirty="0" err="1"/>
-              <a:t>O</a:t>
-            </a:r>
-            <a:endParaRPr lang="de-DE" sz="1400" dirty="0"/>
-          </a:p>
-          <a:p>
-            <a:pPr algn="ctr"/>
-            <a:r>
-              <a:rPr lang="de-DE" sz="1400" dirty="0"/>
-              <a:t>Fear O </a:t>
-            </a:r>
-            <a:r>
-              <a:rPr lang="de-DE" sz="1400" dirty="0" err="1"/>
-              <a:t>O</a:t>
-            </a:r>
-            <a:r>
-              <a:rPr lang="de-DE" sz="1400" dirty="0"/>
-              <a:t> </a:t>
-            </a:r>
-            <a:r>
-              <a:rPr lang="de-DE" sz="1400" dirty="0" err="1"/>
-              <a:t>O</a:t>
-            </a:r>
-            <a:endParaRPr lang="de-DE" sz="1400" dirty="0"/>
-          </a:p>
-        </p:txBody>
-      </p:sp>
-      <p:sp>
-        <p:nvSpPr>
-          <p:cNvPr id="12" name="Rechteck: abgerundete Ecken 11">
-            <a:extLst>
-              <a:ext uri="{FF2B5EF4-FFF2-40B4-BE49-F238E27FC236}">
-                <a16:creationId xmlns:a16="http://schemas.microsoft.com/office/drawing/2014/main" id="{013076AF-9343-EBA4-D9B1-5511E898CB14}"/>
-              </a:ext>
-            </a:extLst>
-          </p:cNvPr>
-          <p:cNvSpPr/>
-          <p:nvPr/>
-        </p:nvSpPr>
-        <p:spPr>
-          <a:xfrm>
-            <a:off x="2800346" y="4941570"/>
-            <a:ext cx="1238258" cy="690880"/>
-          </a:xfrm>
-          <a:prstGeom prst="roundRect">
-            <a:avLst/>
-          </a:prstGeom>
-        </p:spPr>
-        <p:style>
-          <a:lnRef idx="2">
-            <a:schemeClr val="dk1"/>
-          </a:lnRef>
-          <a:fillRef idx="1">
-            <a:schemeClr val="lt1"/>
-          </a:fillRef>
-          <a:effectRef idx="0">
-            <a:schemeClr val="dk1"/>
-          </a:effectRef>
-          <a:fontRef idx="minor">
-            <a:schemeClr val="dk1"/>
-          </a:fontRef>
-        </p:style>
-        <p:txBody>
-          <a:bodyPr rtlCol="0" anchor="ctr"/>
-          <a:lstStyle/>
-          <a:p>
-            <a:pPr algn="ctr"/>
-            <a:endParaRPr lang="de-DE" sz="1400" dirty="0"/>
-          </a:p>
-          <a:p>
-            <a:pPr algn="ctr"/>
-            <a:r>
-              <a:rPr lang="de-DE" sz="1400" dirty="0"/>
-              <a:t>/</a:t>
-            </a:r>
-          </a:p>
-          <a:p>
-            <a:pPr algn="ctr"/>
-            <a:r>
-              <a:rPr lang="de-DE" sz="1400" dirty="0"/>
-              <a:t>Mental HP</a:t>
-            </a:r>
-          </a:p>
-        </p:txBody>
-      </p:sp>
-      <p:graphicFrame>
-        <p:nvGraphicFramePr>
-          <p:cNvPr id="13" name="Tabelle 9">
-            <a:extLst>
-              <a:ext uri="{FF2B5EF4-FFF2-40B4-BE49-F238E27FC236}">
-                <a16:creationId xmlns:a16="http://schemas.microsoft.com/office/drawing/2014/main" id="{2D880F50-026E-9DA1-8AEE-6839D04B3AD9}"/>
-              </a:ext>
-            </a:extLst>
-          </p:cNvPr>
-          <p:cNvGraphicFramePr>
-            <a:graphicFrameLocks noGrp="1"/>
-          </p:cNvGraphicFramePr>
-          <p:nvPr>
-            <p:extLst>
-              <p:ext uri="{D42A27DB-BD31-4B8C-83A1-F6EECF244321}">
-                <p14:modId xmlns:p14="http://schemas.microsoft.com/office/powerpoint/2010/main" val="3217522780"/>
-              </p:ext>
-            </p:extLst>
-          </p:nvPr>
-        </p:nvGraphicFramePr>
-        <p:xfrm>
-          <a:off x="2387599" y="5645150"/>
-          <a:ext cx="2082800" cy="152400"/>
-        </p:xfrm>
-        <a:graphic>
-          <a:graphicData uri="http://schemas.openxmlformats.org/drawingml/2006/table">
-            <a:tbl>
-              <a:tblPr firstRow="1" bandRow="1">
-                <a:tableStyleId>{5940675A-B579-460E-94D1-54222C63F5DA}</a:tableStyleId>
-              </a:tblPr>
-              <a:tblGrid>
-                <a:gridCol w="208280">
-                  <a:extLst>
-                    <a:ext uri="{9D8B030D-6E8A-4147-A177-3AD203B41FA5}">
-                      <a16:colId xmlns:a16="http://schemas.microsoft.com/office/drawing/2014/main" val="3786199205"/>
-                    </a:ext>
-                  </a:extLst>
-                </a:gridCol>
-                <a:gridCol w="208280">
-                  <a:extLst>
-                    <a:ext uri="{9D8B030D-6E8A-4147-A177-3AD203B41FA5}">
-                      <a16:colId xmlns:a16="http://schemas.microsoft.com/office/drawing/2014/main" val="1076406494"/>
-                    </a:ext>
-                  </a:extLst>
-                </a:gridCol>
-                <a:gridCol w="208280">
-                  <a:extLst>
-                    <a:ext uri="{9D8B030D-6E8A-4147-A177-3AD203B41FA5}">
-                      <a16:colId xmlns:a16="http://schemas.microsoft.com/office/drawing/2014/main" val="3597188694"/>
-                    </a:ext>
-                  </a:extLst>
-                </a:gridCol>
-                <a:gridCol w="208280">
-                  <a:extLst>
-                    <a:ext uri="{9D8B030D-6E8A-4147-A177-3AD203B41FA5}">
-                      <a16:colId xmlns:a16="http://schemas.microsoft.com/office/drawing/2014/main" val="153089552"/>
-                    </a:ext>
-                  </a:extLst>
-                </a:gridCol>
-                <a:gridCol w="208280">
-                  <a:extLst>
-                    <a:ext uri="{9D8B030D-6E8A-4147-A177-3AD203B41FA5}">
-                      <a16:colId xmlns:a16="http://schemas.microsoft.com/office/drawing/2014/main" val="1194271607"/>
-                    </a:ext>
-                  </a:extLst>
-                </a:gridCol>
-                <a:gridCol w="208280">
-                  <a:extLst>
-                    <a:ext uri="{9D8B030D-6E8A-4147-A177-3AD203B41FA5}">
-                      <a16:colId xmlns:a16="http://schemas.microsoft.com/office/drawing/2014/main" val="3712181381"/>
-                    </a:ext>
-                  </a:extLst>
-                </a:gridCol>
-                <a:gridCol w="208280">
-                  <a:extLst>
-                    <a:ext uri="{9D8B030D-6E8A-4147-A177-3AD203B41FA5}">
-                      <a16:colId xmlns:a16="http://schemas.microsoft.com/office/drawing/2014/main" val="804813728"/>
-                    </a:ext>
-                  </a:extLst>
-                </a:gridCol>
-                <a:gridCol w="208280">
-                  <a:extLst>
-                    <a:ext uri="{9D8B030D-6E8A-4147-A177-3AD203B41FA5}">
-                      <a16:colId xmlns:a16="http://schemas.microsoft.com/office/drawing/2014/main" val="2855457644"/>
-                    </a:ext>
-                  </a:extLst>
-                </a:gridCol>
-                <a:gridCol w="208280">
-                  <a:extLst>
-                    <a:ext uri="{9D8B030D-6E8A-4147-A177-3AD203B41FA5}">
-                      <a16:colId xmlns:a16="http://schemas.microsoft.com/office/drawing/2014/main" val="4166089931"/>
-                    </a:ext>
-                  </a:extLst>
-                </a:gridCol>
-                <a:gridCol w="208280">
-                  <a:extLst>
-                    <a:ext uri="{9D8B030D-6E8A-4147-A177-3AD203B41FA5}">
-                      <a16:colId xmlns:a16="http://schemas.microsoft.com/office/drawing/2014/main" val="3788080076"/>
-                    </a:ext>
-                  </a:extLst>
-                </a:gridCol>
-              </a:tblGrid>
-              <a:tr h="152400">
-                <a:tc>
-                  <a:txBody>
-                    <a:bodyPr/>
-                    <a:lstStyle/>
-                    <a:p>
-                      <a:endParaRPr lang="de-DE" sz="400" dirty="0"/>
-                    </a:p>
-                  </a:txBody>
-                  <a:tcPr/>
-                </a:tc>
-                <a:tc>
-                  <a:txBody>
-                    <a:bodyPr/>
-                    <a:lstStyle/>
-                    <a:p>
-                      <a:endParaRPr lang="de-DE" sz="400" dirty="0"/>
-                    </a:p>
-                  </a:txBody>
-                  <a:tcPr/>
-                </a:tc>
-                <a:tc>
-                  <a:txBody>
-                    <a:bodyPr/>
-                    <a:lstStyle/>
-                    <a:p>
-                      <a:endParaRPr lang="de-DE" sz="400" dirty="0"/>
-                    </a:p>
-                  </a:txBody>
-                  <a:tcPr/>
-                </a:tc>
-                <a:tc>
-                  <a:txBody>
-                    <a:bodyPr/>
-                    <a:lstStyle/>
-                    <a:p>
-                      <a:endParaRPr lang="de-DE" sz="400" dirty="0"/>
-                    </a:p>
-                  </a:txBody>
-                  <a:tcPr/>
-                </a:tc>
-                <a:tc>
-                  <a:txBody>
-                    <a:bodyPr/>
-                    <a:lstStyle/>
-                    <a:p>
-                      <a:endParaRPr lang="de-DE" sz="400" dirty="0"/>
-                    </a:p>
-                  </a:txBody>
-                  <a:tcPr/>
-                </a:tc>
-                <a:tc>
-                  <a:txBody>
-                    <a:bodyPr/>
-                    <a:lstStyle/>
-                    <a:p>
-                      <a:endParaRPr lang="de-DE" sz="400" dirty="0"/>
-                    </a:p>
-                  </a:txBody>
-                  <a:tcPr/>
-                </a:tc>
-                <a:tc>
-                  <a:txBody>
-                    <a:bodyPr/>
-                    <a:lstStyle/>
-                    <a:p>
-                      <a:endParaRPr lang="de-DE" sz="400" dirty="0"/>
-                    </a:p>
-                  </a:txBody>
-                  <a:tcPr/>
-                </a:tc>
-                <a:tc>
-                  <a:txBody>
-                    <a:bodyPr/>
-                    <a:lstStyle/>
-                    <a:p>
-                      <a:endParaRPr lang="de-DE" sz="400" dirty="0"/>
-                    </a:p>
-                  </a:txBody>
-                  <a:tcPr/>
-                </a:tc>
-                <a:tc>
-                  <a:txBody>
-                    <a:bodyPr/>
-                    <a:lstStyle/>
-                    <a:p>
-                      <a:endParaRPr lang="de-DE" sz="400" dirty="0"/>
-                    </a:p>
-                  </a:txBody>
-                  <a:tcPr/>
-                </a:tc>
-                <a:tc>
-                  <a:txBody>
-                    <a:bodyPr/>
-                    <a:lstStyle/>
-                    <a:p>
-                      <a:endParaRPr lang="de-DE" sz="400" dirty="0"/>
-                    </a:p>
-                  </a:txBody>
-                  <a:tcPr/>
-                </a:tc>
-                <a:extLst>
-                  <a:ext uri="{0D108BD9-81ED-4DB2-BD59-A6C34878D82A}">
-                    <a16:rowId xmlns:a16="http://schemas.microsoft.com/office/drawing/2014/main" val="2407009538"/>
-                  </a:ext>
-                </a:extLst>
-              </a:tr>
-            </a:tbl>
-          </a:graphicData>
-        </a:graphic>
-      </p:graphicFrame>
-      <p:sp>
-        <p:nvSpPr>
-          <p:cNvPr id="15" name="Rechteck: abgerundete Ecken 14">
-            <a:extLst>
-              <a:ext uri="{FF2B5EF4-FFF2-40B4-BE49-F238E27FC236}">
-                <a16:creationId xmlns:a16="http://schemas.microsoft.com/office/drawing/2014/main" id="{A809A2C5-D1F7-9B20-0867-4378488672C9}"/>
-              </a:ext>
-            </a:extLst>
-          </p:cNvPr>
-          <p:cNvSpPr/>
-          <p:nvPr/>
-        </p:nvSpPr>
-        <p:spPr>
-          <a:xfrm>
-            <a:off x="266696" y="6964680"/>
-            <a:ext cx="6343653" cy="353012"/>
-          </a:xfrm>
-          <a:prstGeom prst="roundRect">
-            <a:avLst/>
-          </a:prstGeom>
-        </p:spPr>
-        <p:style>
-          <a:lnRef idx="2">
-            <a:schemeClr val="dk1"/>
-          </a:lnRef>
-          <a:fillRef idx="1">
-            <a:schemeClr val="lt1"/>
-          </a:fillRef>
-          <a:effectRef idx="0">
-            <a:schemeClr val="dk1"/>
-          </a:effectRef>
-          <a:fontRef idx="minor">
-            <a:schemeClr val="dk1"/>
-          </a:fontRef>
-        </p:style>
-        <p:txBody>
-          <a:bodyPr rtlCol="0" anchor="ctr"/>
-          <a:lstStyle/>
-          <a:p>
-            <a:pPr algn="ctr"/>
-            <a:r>
-              <a:rPr lang="de-DE" sz="2000" dirty="0"/>
-              <a:t>LEVELLING</a:t>
-            </a:r>
-          </a:p>
-        </p:txBody>
-      </p:sp>
-      <p:sp>
-        <p:nvSpPr>
-          <p:cNvPr id="16" name="Rechteck: abgerundete Ecken 15">
-            <a:extLst>
-              <a:ext uri="{FF2B5EF4-FFF2-40B4-BE49-F238E27FC236}">
-                <a16:creationId xmlns:a16="http://schemas.microsoft.com/office/drawing/2014/main" id="{84F1F359-72B1-745D-A80A-9C9EA6AE68BC}"/>
-              </a:ext>
-            </a:extLst>
-          </p:cNvPr>
-          <p:cNvSpPr/>
-          <p:nvPr/>
-        </p:nvSpPr>
-        <p:spPr>
-          <a:xfrm>
-            <a:off x="247649" y="7458662"/>
-            <a:ext cx="6362700" cy="1127760"/>
-          </a:xfrm>
-          <a:prstGeom prst="roundRect">
-            <a:avLst/>
-          </a:prstGeom>
-        </p:spPr>
-        <p:style>
-          <a:lnRef idx="2">
-            <a:schemeClr val="dk1"/>
-          </a:lnRef>
-          <a:fillRef idx="1">
-            <a:schemeClr val="lt1"/>
-          </a:fillRef>
-          <a:effectRef idx="0">
-            <a:schemeClr val="dk1"/>
-          </a:effectRef>
-          <a:fontRef idx="minor">
-            <a:schemeClr val="dk1"/>
-          </a:fontRef>
-        </p:style>
-        <p:txBody>
-          <a:bodyPr rtlCol="0" anchor="ctr"/>
-          <a:lstStyle/>
-          <a:p>
-            <a:pPr algn="ctr"/>
-            <a:endParaRPr lang="de-DE" sz="1400" dirty="0"/>
-          </a:p>
-          <a:p>
-            <a:pPr algn="ctr"/>
-            <a:endParaRPr lang="de-DE" sz="1400" dirty="0"/>
-          </a:p>
-          <a:p>
-            <a:pPr algn="ctr"/>
-            <a:endParaRPr lang="de-DE" sz="1400" dirty="0"/>
-          </a:p>
-          <a:p>
-            <a:pPr algn="ctr"/>
-            <a:endParaRPr lang="de-DE" sz="1400" dirty="0"/>
-          </a:p>
-          <a:p>
-            <a:pPr algn="ctr"/>
-            <a:r>
-              <a:rPr lang="de-DE" sz="1400" dirty="0" err="1"/>
-              <a:t>Stat</a:t>
-            </a:r>
-            <a:r>
-              <a:rPr lang="de-DE" sz="1400" dirty="0"/>
-              <a:t> </a:t>
-            </a:r>
-            <a:r>
-              <a:rPr lang="de-DE" sz="1400" dirty="0" err="1"/>
-              <a:t>Lvl</a:t>
-            </a:r>
-            <a:endParaRPr lang="de-DE" sz="1400" dirty="0"/>
-          </a:p>
-        </p:txBody>
-      </p:sp>
-      <p:sp>
-        <p:nvSpPr>
-          <p:cNvPr id="18" name="Rechteck: abgerundete Ecken 17">
-            <a:extLst>
-              <a:ext uri="{FF2B5EF4-FFF2-40B4-BE49-F238E27FC236}">
-                <a16:creationId xmlns:a16="http://schemas.microsoft.com/office/drawing/2014/main" id="{F9A910FB-0A11-E376-D428-FEC1BC5065D1}"/>
-              </a:ext>
-            </a:extLst>
-          </p:cNvPr>
-          <p:cNvSpPr/>
-          <p:nvPr/>
-        </p:nvSpPr>
-        <p:spPr>
-          <a:xfrm>
-            <a:off x="1443983" y="7620000"/>
-            <a:ext cx="861062" cy="655320"/>
-          </a:xfrm>
-          <a:prstGeom prst="roundRect">
-            <a:avLst/>
-          </a:prstGeom>
-        </p:spPr>
-        <p:style>
-          <a:lnRef idx="2">
-            <a:schemeClr val="dk1"/>
-          </a:lnRef>
-          <a:fillRef idx="1">
-            <a:schemeClr val="lt1"/>
-          </a:fillRef>
-          <a:effectRef idx="0">
-            <a:schemeClr val="dk1"/>
-          </a:effectRef>
-          <a:fontRef idx="minor">
-            <a:schemeClr val="dk1"/>
-          </a:fontRef>
-        </p:style>
-        <p:txBody>
-          <a:bodyPr rtlCol="0" anchor="ctr"/>
-          <a:lstStyle/>
-          <a:p>
-            <a:pPr algn="ctr"/>
-            <a:endParaRPr lang="de-DE" sz="1400" dirty="0"/>
-          </a:p>
-          <a:p>
-            <a:pPr algn="ctr"/>
-            <a:r>
-              <a:rPr lang="de-DE" sz="1400" dirty="0"/>
-              <a:t>/</a:t>
-            </a:r>
-          </a:p>
-          <a:p>
-            <a:pPr algn="ctr"/>
-            <a:r>
-              <a:rPr lang="de-DE" sz="1400" dirty="0"/>
-              <a:t>ATK</a:t>
-            </a:r>
-          </a:p>
-        </p:txBody>
-      </p:sp>
-      <p:sp>
-        <p:nvSpPr>
-          <p:cNvPr id="27" name="Rechteck: abgerundete Ecken 26">
-            <a:extLst>
-              <a:ext uri="{FF2B5EF4-FFF2-40B4-BE49-F238E27FC236}">
-                <a16:creationId xmlns:a16="http://schemas.microsoft.com/office/drawing/2014/main" id="{3109E23A-820D-3A4C-400C-239456C964DD}"/>
-              </a:ext>
-            </a:extLst>
-          </p:cNvPr>
-          <p:cNvSpPr/>
-          <p:nvPr/>
-        </p:nvSpPr>
-        <p:spPr>
-          <a:xfrm>
-            <a:off x="2472681" y="7620000"/>
-            <a:ext cx="861062" cy="655320"/>
-          </a:xfrm>
-          <a:prstGeom prst="roundRect">
-            <a:avLst/>
-          </a:prstGeom>
-        </p:spPr>
-        <p:style>
-          <a:lnRef idx="2">
-            <a:schemeClr val="dk1"/>
-          </a:lnRef>
-          <a:fillRef idx="1">
-            <a:schemeClr val="lt1"/>
-          </a:fillRef>
-          <a:effectRef idx="0">
-            <a:schemeClr val="dk1"/>
-          </a:effectRef>
-          <a:fontRef idx="minor">
-            <a:schemeClr val="dk1"/>
-          </a:fontRef>
-        </p:style>
-        <p:txBody>
-          <a:bodyPr rtlCol="0" anchor="ctr"/>
-          <a:lstStyle/>
-          <a:p>
-            <a:pPr algn="ctr"/>
-            <a:endParaRPr lang="de-DE" sz="1400" dirty="0"/>
-          </a:p>
-          <a:p>
-            <a:pPr algn="ctr"/>
-            <a:r>
-              <a:rPr lang="de-DE" sz="1400" dirty="0"/>
-              <a:t>/</a:t>
-            </a:r>
-          </a:p>
-          <a:p>
-            <a:pPr algn="ctr"/>
-            <a:r>
-              <a:rPr lang="de-DE" sz="1400" dirty="0"/>
-              <a:t>CON</a:t>
-            </a:r>
-          </a:p>
-        </p:txBody>
-      </p:sp>
-      <p:sp>
-        <p:nvSpPr>
-          <p:cNvPr id="28" name="Rechteck: abgerundete Ecken 27">
-            <a:extLst>
-              <a:ext uri="{FF2B5EF4-FFF2-40B4-BE49-F238E27FC236}">
-                <a16:creationId xmlns:a16="http://schemas.microsoft.com/office/drawing/2014/main" id="{B115AE03-5B76-2CC2-E739-69A9192F9D65}"/>
-              </a:ext>
-            </a:extLst>
-          </p:cNvPr>
-          <p:cNvSpPr/>
-          <p:nvPr/>
-        </p:nvSpPr>
-        <p:spPr>
-          <a:xfrm>
-            <a:off x="3501379" y="7620000"/>
-            <a:ext cx="861062" cy="655320"/>
-          </a:xfrm>
-          <a:prstGeom prst="roundRect">
-            <a:avLst/>
-          </a:prstGeom>
-        </p:spPr>
-        <p:style>
-          <a:lnRef idx="2">
-            <a:schemeClr val="dk1"/>
-          </a:lnRef>
-          <a:fillRef idx="1">
-            <a:schemeClr val="lt1"/>
-          </a:fillRef>
-          <a:effectRef idx="0">
-            <a:schemeClr val="dk1"/>
-          </a:effectRef>
-          <a:fontRef idx="minor">
-            <a:schemeClr val="dk1"/>
-          </a:fontRef>
-        </p:style>
-        <p:txBody>
-          <a:bodyPr rtlCol="0" anchor="ctr"/>
-          <a:lstStyle/>
-          <a:p>
-            <a:pPr algn="ctr"/>
-            <a:endParaRPr lang="de-DE" sz="1400" dirty="0"/>
-          </a:p>
-          <a:p>
-            <a:pPr algn="ctr"/>
-            <a:r>
-              <a:rPr lang="de-DE" sz="1400" dirty="0"/>
-              <a:t>/</a:t>
-            </a:r>
-          </a:p>
-          <a:p>
-            <a:pPr algn="ctr"/>
-            <a:r>
-              <a:rPr lang="de-DE" sz="1400" dirty="0"/>
-              <a:t>BRAIN</a:t>
-            </a:r>
-          </a:p>
-        </p:txBody>
-      </p:sp>
-      <p:sp>
-        <p:nvSpPr>
-          <p:cNvPr id="30" name="Rechteck: abgerundete Ecken 29">
-            <a:extLst>
-              <a:ext uri="{FF2B5EF4-FFF2-40B4-BE49-F238E27FC236}">
-                <a16:creationId xmlns:a16="http://schemas.microsoft.com/office/drawing/2014/main" id="{B82D2FFA-C207-8E40-5C31-40F51C7A7CCA}"/>
-              </a:ext>
-            </a:extLst>
-          </p:cNvPr>
-          <p:cNvSpPr/>
-          <p:nvPr/>
-        </p:nvSpPr>
-        <p:spPr>
-          <a:xfrm>
-            <a:off x="4530077" y="7620000"/>
-            <a:ext cx="861062" cy="655320"/>
-          </a:xfrm>
-          <a:prstGeom prst="roundRect">
-            <a:avLst/>
-          </a:prstGeom>
-        </p:spPr>
-        <p:style>
-          <a:lnRef idx="2">
-            <a:schemeClr val="dk1"/>
-          </a:lnRef>
-          <a:fillRef idx="1">
-            <a:schemeClr val="lt1"/>
-          </a:fillRef>
-          <a:effectRef idx="0">
-            <a:schemeClr val="dk1"/>
-          </a:effectRef>
-          <a:fontRef idx="minor">
-            <a:schemeClr val="dk1"/>
-          </a:fontRef>
-        </p:style>
-        <p:txBody>
-          <a:bodyPr rtlCol="0" anchor="ctr"/>
-          <a:lstStyle/>
-          <a:p>
-            <a:pPr algn="ctr"/>
-            <a:endParaRPr lang="de-DE" sz="1400" dirty="0"/>
-          </a:p>
-          <a:p>
-            <a:pPr algn="ctr"/>
-            <a:r>
-              <a:rPr lang="de-DE" sz="1400" dirty="0"/>
-              <a:t>/</a:t>
-            </a:r>
-          </a:p>
-          <a:p>
-            <a:pPr algn="ctr"/>
-            <a:r>
-              <a:rPr lang="de-DE" sz="1400" dirty="0"/>
-              <a:t>SOC</a:t>
-            </a:r>
-          </a:p>
-        </p:txBody>
-      </p:sp>
-      <p:sp>
-        <p:nvSpPr>
-          <p:cNvPr id="32" name="Rechteck: abgerundete Ecken 31">
-            <a:extLst>
-              <a:ext uri="{FF2B5EF4-FFF2-40B4-BE49-F238E27FC236}">
-                <a16:creationId xmlns:a16="http://schemas.microsoft.com/office/drawing/2014/main" id="{B4BEAC38-FAC9-F7B0-38F3-E7C9C0525D84}"/>
-              </a:ext>
-            </a:extLst>
-          </p:cNvPr>
-          <p:cNvSpPr/>
-          <p:nvPr/>
-        </p:nvSpPr>
-        <p:spPr>
-          <a:xfrm>
-            <a:off x="2461247" y="8747760"/>
-            <a:ext cx="922021" cy="655320"/>
-          </a:xfrm>
-          <a:prstGeom prst="roundRect">
-            <a:avLst/>
-          </a:prstGeom>
-        </p:spPr>
-        <p:style>
-          <a:lnRef idx="2">
-            <a:schemeClr val="dk1"/>
-          </a:lnRef>
-          <a:fillRef idx="1">
-            <a:schemeClr val="lt1"/>
-          </a:fillRef>
-          <a:effectRef idx="0">
-            <a:schemeClr val="dk1"/>
-          </a:effectRef>
-          <a:fontRef idx="minor">
-            <a:schemeClr val="dk1"/>
-          </a:fontRef>
-        </p:style>
-        <p:txBody>
-          <a:bodyPr rtlCol="0" anchor="ctr"/>
-          <a:lstStyle/>
-          <a:p>
-            <a:pPr algn="ctr"/>
-            <a:endParaRPr lang="de-DE" sz="1400" dirty="0"/>
-          </a:p>
-          <a:p>
-            <a:pPr algn="ctr"/>
-            <a:r>
-              <a:rPr lang="de-DE" sz="1400" dirty="0"/>
-              <a:t>/</a:t>
-            </a:r>
-          </a:p>
-          <a:p>
-            <a:pPr algn="ctr"/>
-            <a:r>
-              <a:rPr lang="de-DE" sz="1400" dirty="0"/>
-              <a:t>Job </a:t>
-            </a:r>
-            <a:r>
-              <a:rPr lang="de-DE" sz="1400" dirty="0" err="1"/>
-              <a:t>Lvl</a:t>
-            </a:r>
-            <a:endParaRPr lang="de-DE" sz="1400" dirty="0"/>
-          </a:p>
-        </p:txBody>
-      </p:sp>
-      <p:sp>
-        <p:nvSpPr>
-          <p:cNvPr id="33" name="Rechteck: abgerundete Ecken 32">
-            <a:extLst>
-              <a:ext uri="{FF2B5EF4-FFF2-40B4-BE49-F238E27FC236}">
-                <a16:creationId xmlns:a16="http://schemas.microsoft.com/office/drawing/2014/main" id="{F0272A8B-F912-42A7-FF0C-5B16AC872F77}"/>
-              </a:ext>
-            </a:extLst>
-          </p:cNvPr>
-          <p:cNvSpPr/>
-          <p:nvPr/>
-        </p:nvSpPr>
-        <p:spPr>
-          <a:xfrm>
-            <a:off x="3501379" y="8747760"/>
-            <a:ext cx="922021" cy="655320"/>
-          </a:xfrm>
-          <a:prstGeom prst="roundRect">
-            <a:avLst/>
-          </a:prstGeom>
-        </p:spPr>
-        <p:style>
-          <a:lnRef idx="2">
-            <a:schemeClr val="dk1"/>
-          </a:lnRef>
-          <a:fillRef idx="1">
-            <a:schemeClr val="lt1"/>
-          </a:fillRef>
-          <a:effectRef idx="0">
-            <a:schemeClr val="dk1"/>
-          </a:effectRef>
-          <a:fontRef idx="minor">
-            <a:schemeClr val="dk1"/>
-          </a:fontRef>
-        </p:style>
-        <p:txBody>
-          <a:bodyPr rtlCol="0" anchor="ctr"/>
-          <a:lstStyle/>
-          <a:p>
-            <a:pPr algn="ctr"/>
-            <a:endParaRPr lang="de-DE" sz="1400" dirty="0"/>
-          </a:p>
-          <a:p>
-            <a:pPr algn="ctr"/>
-            <a:r>
-              <a:rPr lang="de-DE" sz="1400" dirty="0"/>
-              <a:t>/</a:t>
-            </a:r>
-          </a:p>
-          <a:p>
-            <a:pPr algn="ctr"/>
-            <a:r>
-              <a:rPr lang="de-DE" sz="1400" dirty="0"/>
-              <a:t>Magic </a:t>
-            </a:r>
-            <a:r>
-              <a:rPr lang="de-DE" sz="1400" dirty="0" err="1"/>
-              <a:t>Lvl</a:t>
-            </a:r>
-            <a:endParaRPr lang="de-DE" sz="1400" dirty="0"/>
-          </a:p>
-        </p:txBody>
-      </p:sp>
     </p:spTree>
     <p:extLst>
       <p:ext uri="{BB962C8B-B14F-4D97-AF65-F5344CB8AC3E}">
-        <p14:creationId xmlns:p14="http://schemas.microsoft.com/office/powerpoint/2010/main" val="3594546064"/>
+        <p14:creationId xmlns:p14="http://schemas.microsoft.com/office/powerpoint/2010/main" val="2800291539"/>
       </p:ext>
     </p:extLst>
   </p:cSld>

--- a/Character Sheet.pptx
+++ b/Character Sheet.pptx
@@ -1256,7 +1256,7 @@
           <a:p>
             <a:fld id="{BED8B029-3841-4136-9056-919269C44651}" type="datetimeFigureOut">
               <a:rPr lang="de-DE" smtClean="0"/>
-              <a:t>14.10.2023</a:t>
+              <a:t>20.10.2023</a:t>
             </a:fld>
             <a:endParaRPr lang="de-DE"/>
           </a:p>
@@ -1426,7 +1426,7 @@
           <a:p>
             <a:fld id="{BED8B029-3841-4136-9056-919269C44651}" type="datetimeFigureOut">
               <a:rPr lang="de-DE" smtClean="0"/>
-              <a:t>14.10.2023</a:t>
+              <a:t>20.10.2023</a:t>
             </a:fld>
             <a:endParaRPr lang="de-DE"/>
           </a:p>
@@ -1606,7 +1606,7 @@
           <a:p>
             <a:fld id="{BED8B029-3841-4136-9056-919269C44651}" type="datetimeFigureOut">
               <a:rPr lang="de-DE" smtClean="0"/>
-              <a:t>14.10.2023</a:t>
+              <a:t>20.10.2023</a:t>
             </a:fld>
             <a:endParaRPr lang="de-DE"/>
           </a:p>
@@ -1776,7 +1776,7 @@
           <a:p>
             <a:fld id="{BED8B029-3841-4136-9056-919269C44651}" type="datetimeFigureOut">
               <a:rPr lang="de-DE" smtClean="0"/>
-              <a:t>14.10.2023</a:t>
+              <a:t>20.10.2023</a:t>
             </a:fld>
             <a:endParaRPr lang="de-DE"/>
           </a:p>
@@ -2020,7 +2020,7 @@
           <a:p>
             <a:fld id="{BED8B029-3841-4136-9056-919269C44651}" type="datetimeFigureOut">
               <a:rPr lang="de-DE" smtClean="0"/>
-              <a:t>14.10.2023</a:t>
+              <a:t>20.10.2023</a:t>
             </a:fld>
             <a:endParaRPr lang="de-DE"/>
           </a:p>
@@ -2252,7 +2252,7 @@
           <a:p>
             <a:fld id="{BED8B029-3841-4136-9056-919269C44651}" type="datetimeFigureOut">
               <a:rPr lang="de-DE" smtClean="0"/>
-              <a:t>14.10.2023</a:t>
+              <a:t>20.10.2023</a:t>
             </a:fld>
             <a:endParaRPr lang="de-DE"/>
           </a:p>
@@ -2619,7 +2619,7 @@
           <a:p>
             <a:fld id="{BED8B029-3841-4136-9056-919269C44651}" type="datetimeFigureOut">
               <a:rPr lang="de-DE" smtClean="0"/>
-              <a:t>14.10.2023</a:t>
+              <a:t>20.10.2023</a:t>
             </a:fld>
             <a:endParaRPr lang="de-DE"/>
           </a:p>
@@ -2737,7 +2737,7 @@
           <a:p>
             <a:fld id="{BED8B029-3841-4136-9056-919269C44651}" type="datetimeFigureOut">
               <a:rPr lang="de-DE" smtClean="0"/>
-              <a:t>14.10.2023</a:t>
+              <a:t>20.10.2023</a:t>
             </a:fld>
             <a:endParaRPr lang="de-DE"/>
           </a:p>
@@ -2832,7 +2832,7 @@
           <a:p>
             <a:fld id="{BED8B029-3841-4136-9056-919269C44651}" type="datetimeFigureOut">
               <a:rPr lang="de-DE" smtClean="0"/>
-              <a:t>14.10.2023</a:t>
+              <a:t>20.10.2023</a:t>
             </a:fld>
             <a:endParaRPr lang="de-DE"/>
           </a:p>
@@ -3109,7 +3109,7 @@
           <a:p>
             <a:fld id="{BED8B029-3841-4136-9056-919269C44651}" type="datetimeFigureOut">
               <a:rPr lang="de-DE" smtClean="0"/>
-              <a:t>14.10.2023</a:t>
+              <a:t>20.10.2023</a:t>
             </a:fld>
             <a:endParaRPr lang="de-DE"/>
           </a:p>
@@ -3366,7 +3366,7 @@
           <a:p>
             <a:fld id="{BED8B029-3841-4136-9056-919269C44651}" type="datetimeFigureOut">
               <a:rPr lang="de-DE" smtClean="0"/>
-              <a:t>14.10.2023</a:t>
+              <a:t>20.10.2023</a:t>
             </a:fld>
             <a:endParaRPr lang="de-DE"/>
           </a:p>
@@ -3579,7 +3579,7 @@
           <a:p>
             <a:fld id="{BED8B029-3841-4136-9056-919269C44651}" type="datetimeFigureOut">
               <a:rPr lang="de-DE" smtClean="0"/>
-              <a:t>14.10.2023</a:t>
+              <a:t>20.10.2023</a:t>
             </a:fld>
             <a:endParaRPr lang="de-DE"/>
           </a:p>
@@ -5713,7 +5713,7 @@
         </p:nvSpPr>
         <p:spPr>
           <a:xfrm>
-            <a:off x="237748" y="5885633"/>
+            <a:off x="237748" y="4812737"/>
             <a:ext cx="2755638" cy="1977734"/>
           </a:xfrm>
           <a:prstGeom prst="roundRect">
@@ -5765,10 +5765,42 @@
           </a:p>
           <a:p>
             <a:pPr algn="ctr"/>
-            <a:endParaRPr lang="de-DE" sz="1400" dirty="0"/>
-          </a:p>
-          <a:p>
-            <a:pPr algn="ctr"/>
+            <a:r>
+              <a:rPr lang="de-DE" sz="1400" dirty="0"/>
+              <a:t>Rage O </a:t>
+            </a:r>
+            <a:r>
+              <a:rPr lang="de-DE" sz="1400" dirty="0" err="1"/>
+              <a:t>O</a:t>
+            </a:r>
+            <a:r>
+              <a:rPr lang="de-DE" sz="1400" dirty="0"/>
+              <a:t> </a:t>
+            </a:r>
+            <a:r>
+              <a:rPr lang="de-DE" sz="1400" dirty="0" err="1"/>
+              <a:t>O</a:t>
+            </a:r>
+            <a:endParaRPr lang="de-DE" sz="1400" dirty="0"/>
+          </a:p>
+          <a:p>
+            <a:pPr algn="ctr"/>
+            <a:r>
+              <a:rPr lang="de-DE" sz="1400" dirty="0"/>
+              <a:t>Fear O </a:t>
+            </a:r>
+            <a:r>
+              <a:rPr lang="de-DE" sz="1400" dirty="0" err="1"/>
+              <a:t>O</a:t>
+            </a:r>
+            <a:r>
+              <a:rPr lang="de-DE" sz="1400" dirty="0"/>
+              <a:t> </a:t>
+            </a:r>
+            <a:r>
+              <a:rPr lang="de-DE" sz="1400" dirty="0" err="1"/>
+              <a:t>O</a:t>
+            </a:r>
             <a:endParaRPr lang="de-DE" sz="1400" dirty="0"/>
           </a:p>
           <a:p>
@@ -5800,7 +5832,7 @@
         <p:spPr>
           <a:xfrm>
             <a:off x="237748" y="2713410"/>
-            <a:ext cx="6353553" cy="3037840"/>
+            <a:ext cx="6353553" cy="1977734"/>
           </a:xfrm>
           <a:prstGeom prst="roundRect">
             <a:avLst/>
@@ -5823,26 +5855,6 @@
         <p:txBody>
           <a:bodyPr rtlCol="0" anchor="ctr"/>
           <a:lstStyle/>
-          <a:p>
-            <a:pPr algn="ctr"/>
-            <a:endParaRPr lang="de-DE" sz="1400" dirty="0"/>
-          </a:p>
-          <a:p>
-            <a:pPr algn="ctr"/>
-            <a:endParaRPr lang="de-DE" sz="1400" dirty="0"/>
-          </a:p>
-          <a:p>
-            <a:pPr algn="ctr"/>
-            <a:endParaRPr lang="de-DE" sz="1400" dirty="0"/>
-          </a:p>
-          <a:p>
-            <a:pPr algn="ctr"/>
-            <a:endParaRPr lang="de-DE" sz="1400" dirty="0"/>
-          </a:p>
-          <a:p>
-            <a:pPr algn="ctr"/>
-            <a:endParaRPr lang="de-DE" sz="1400" dirty="0"/>
-          </a:p>
           <a:p>
             <a:pPr algn="ctr"/>
             <a:endParaRPr lang="de-DE" sz="1400" dirty="0"/>
@@ -5899,7 +5911,7 @@
         </p:nvSpPr>
         <p:spPr>
           <a:xfrm>
-            <a:off x="247649" y="7982907"/>
+            <a:off x="247649" y="6855147"/>
             <a:ext cx="6343653" cy="353012"/>
           </a:xfrm>
           <a:prstGeom prst="roundRect">
@@ -5946,8 +5958,8 @@
         </p:nvSpPr>
         <p:spPr>
           <a:xfrm>
-            <a:off x="247650" y="8510866"/>
-            <a:ext cx="2613657" cy="1037590"/>
+            <a:off x="5086948" y="7295364"/>
+            <a:ext cx="1513497" cy="880576"/>
           </a:xfrm>
           <a:prstGeom prst="roundRect">
             <a:avLst/>
@@ -5986,13 +5998,9 @@
           </a:p>
           <a:p>
             <a:pPr algn="ctr"/>
-            <a:endParaRPr lang="de-DE" sz="1400" dirty="0"/>
-          </a:p>
-          <a:p>
-            <a:pPr algn="ctr"/>
             <a:r>
               <a:rPr lang="de-DE" sz="1400" dirty="0" err="1"/>
-              <a:t>Adrenallin</a:t>
+              <a:t>Adrenaline</a:t>
             </a:r>
             <a:endParaRPr lang="de-DE" sz="1400" dirty="0"/>
           </a:p>
@@ -6012,8 +6020,8 @@
         </p:nvSpPr>
         <p:spPr>
           <a:xfrm>
-            <a:off x="2993386" y="8510866"/>
-            <a:ext cx="1969773" cy="1037590"/>
+            <a:off x="291301" y="7334946"/>
+            <a:ext cx="4683035" cy="2352566"/>
           </a:xfrm>
           <a:prstGeom prst="roundRect">
             <a:avLst/>
@@ -6038,43 +6046,57 @@
           <a:lstStyle/>
           <a:p>
             <a:pPr algn="ctr"/>
+            <a:endParaRPr lang="de-DE" sz="1400" dirty="0"/>
+          </a:p>
+          <a:p>
+            <a:pPr algn="ctr"/>
+            <a:endParaRPr lang="de-DE" sz="1400" dirty="0"/>
+          </a:p>
+          <a:p>
+            <a:pPr algn="ctr"/>
+            <a:endParaRPr lang="de-DE" sz="1400" dirty="0"/>
+          </a:p>
+          <a:p>
+            <a:pPr algn="ctr"/>
+            <a:endParaRPr lang="de-DE" sz="1400" dirty="0"/>
+          </a:p>
+          <a:p>
+            <a:pPr algn="ctr"/>
+            <a:r>
+              <a:rPr lang="de-DE" sz="1400" dirty="0" err="1"/>
+              <a:t>Adrenaline</a:t>
+            </a:r>
+            <a:endParaRPr lang="de-DE" sz="1400" dirty="0"/>
+          </a:p>
+          <a:p>
+            <a:pPr algn="ctr"/>
+            <a:endParaRPr lang="de-DE" sz="1400" dirty="0"/>
+          </a:p>
+          <a:p>
+            <a:pPr algn="ctr"/>
+            <a:endParaRPr lang="de-DE" sz="1400" dirty="0"/>
+          </a:p>
+          <a:p>
+            <a:pPr algn="ctr"/>
             <a:r>
               <a:rPr lang="de-DE" sz="1400" dirty="0"/>
-              <a:t>Rage O </a:t>
-            </a:r>
-            <a:r>
-              <a:rPr lang="de-DE" sz="1400" dirty="0" err="1"/>
-              <a:t>O</a:t>
-            </a:r>
+              <a:t> /5</a:t>
+            </a:r>
+          </a:p>
+          <a:p>
+            <a:pPr algn="ctr"/>
+            <a:endParaRPr lang="de-DE" sz="1400" dirty="0"/>
+          </a:p>
+          <a:p>
+            <a:pPr algn="ctr"/>
+            <a:endParaRPr lang="de-DE" sz="1400" dirty="0"/>
+          </a:p>
+          <a:p>
+            <a:pPr algn="ctr"/>
             <a:r>
               <a:rPr lang="de-DE" sz="1400" dirty="0"/>
-              <a:t> </a:t>
-            </a:r>
-            <a:r>
-              <a:rPr lang="de-DE" sz="1400" dirty="0" err="1"/>
-              <a:t>O</a:t>
-            </a:r>
-            <a:endParaRPr lang="de-DE" sz="1400" dirty="0"/>
-          </a:p>
-          <a:p>
-            <a:pPr algn="ctr"/>
-            <a:r>
-              <a:rPr lang="de-DE" sz="1400" dirty="0"/>
-              <a:t>Fear O </a:t>
-            </a:r>
-            <a:r>
-              <a:rPr lang="de-DE" sz="1400" dirty="0" err="1"/>
-              <a:t>O</a:t>
-            </a:r>
-            <a:r>
-              <a:rPr lang="de-DE" sz="1400" dirty="0"/>
-              <a:t> </a:t>
-            </a:r>
-            <a:r>
-              <a:rPr lang="de-DE" sz="1400" dirty="0" err="1"/>
-              <a:t>O</a:t>
-            </a:r>
-            <a:endParaRPr lang="de-DE" sz="1400" dirty="0"/>
+              <a:t>Exhaustion</a:t>
+            </a:r>
           </a:p>
         </p:txBody>
       </p:sp>
@@ -6092,8 +6114,8 @@
         </p:nvSpPr>
         <p:spPr>
           <a:xfrm>
-            <a:off x="5090160" y="8510866"/>
-            <a:ext cx="1501142" cy="1037590"/>
+            <a:off x="5081016" y="8268602"/>
+            <a:ext cx="1519430" cy="1279853"/>
           </a:xfrm>
           <a:prstGeom prst="roundRect">
             <a:avLst/>
@@ -6138,9 +6160,10 @@
           <a:p>
             <a:pPr algn="ctr"/>
             <a:r>
-              <a:rPr lang="de-DE" sz="1400" dirty="0"/>
-              <a:t>Mental HP</a:t>
-            </a:r>
+              <a:rPr lang="de-DE" sz="1400" dirty="0" err="1"/>
+              <a:t>Sanity</a:t>
+            </a:r>
+            <a:endParaRPr lang="de-DE" sz="1400" dirty="0"/>
           </a:p>
         </p:txBody>
       </p:sp>
@@ -6269,7 +6292,7 @@
         </p:nvSpPr>
         <p:spPr>
           <a:xfrm>
-            <a:off x="3134099" y="5931062"/>
+            <a:off x="3134099" y="4858166"/>
             <a:ext cx="3457202" cy="314695"/>
           </a:xfrm>
           <a:prstGeom prst="roundRect">
@@ -6316,7 +6339,7 @@
         </p:nvSpPr>
         <p:spPr>
           <a:xfrm>
-            <a:off x="3132847" y="6333657"/>
+            <a:off x="3132847" y="5260761"/>
             <a:ext cx="3457202" cy="655320"/>
           </a:xfrm>
           <a:prstGeom prst="roundRect">
@@ -6379,7 +6402,7 @@
         </p:nvSpPr>
         <p:spPr>
           <a:xfrm>
-            <a:off x="3132847" y="7108517"/>
+            <a:off x="3132847" y="6035621"/>
             <a:ext cx="3428476" cy="655320"/>
           </a:xfrm>
           <a:prstGeom prst="roundRect">
